--- a/public/uploads/slides/ppt/Strategy Choice Cascade.pptx
+++ b/public/uploads/slides/ppt/Strategy Choice Cascade.pptx
@@ -2185,7 +2185,7 @@
           </a:ln>
           <a:extLst>
             <a:ext uri="{C572A759-6A51-4108-AA02-DFA0A04FC94B}">
-              <ma14:wrappingTextBoxFlag xmlns:ma14="http://schemas.microsoft.com/office/mac/drawingml/2011/main" xmlns="" val="1"/>
+              <ma14:wrappingTextBoxFlag xmlns="" xmlns:ma14="http://schemas.microsoft.com/office/mac/drawingml/2011/main" val="1"/>
             </a:ext>
           </a:extLst>
         </p:spPr>
@@ -2224,7 +2224,7 @@
           </a:ln>
           <a:extLst>
             <a:ext uri="{C572A759-6A51-4108-AA02-DFA0A04FC94B}">
-              <ma14:wrappingTextBoxFlag xmlns:ma14="http://schemas.microsoft.com/office/mac/drawingml/2011/main" xmlns="" val="1"/>
+              <ma14:wrappingTextBoxFlag xmlns="" xmlns:ma14="http://schemas.microsoft.com/office/mac/drawingml/2011/main" val="1"/>
             </a:ext>
           </a:extLst>
         </p:spPr>
@@ -3182,9 +3182,9 @@
         <p:grpSpPr>
           <a:xfrm>
             <a:off x="-30632" y="-110779"/>
-            <a:ext cx="24450082" cy="13375705"/>
+            <a:ext cx="25471059" cy="13221964"/>
             <a:chOff x="-30632" y="-110779"/>
-            <a:chExt cx="24450082" cy="13375705"/>
+            <a:chExt cx="25471059" cy="13221964"/>
           </a:xfrm>
         </p:grpSpPr>
         <p:sp>
@@ -3206,7 +3206,7 @@
             </a:ln>
             <a:extLst>
               <a:ext uri="{C572A759-6A51-4108-AA02-DFA0A04FC94B}">
-                <ma14:wrappingTextBoxFlag xmlns:ma14="http://schemas.microsoft.com/office/mac/drawingml/2011/main" xmlns="" val="1"/>
+                <ma14:wrappingTextBoxFlag xmlns="" xmlns:ma14="http://schemas.microsoft.com/office/mac/drawingml/2011/main" val="1"/>
               </a:ext>
             </a:extLst>
           </p:spPr>
@@ -3334,8 +3334,8 @@
           </p:nvSpPr>
           <p:spPr>
             <a:xfrm>
-              <a:off x="17156067" y="12505104"/>
-              <a:ext cx="6708567" cy="759822"/>
+              <a:off x="13591666" y="12659139"/>
+              <a:ext cx="11848761" cy="452046"/>
             </a:xfrm>
             <a:prstGeom prst="rect">
               <a:avLst/>
@@ -3345,17 +3345,17 @@
             </a:ln>
             <a:extLst>
               <a:ext uri="{C572A759-6A51-4108-AA02-DFA0A04FC94B}">
-                <ma14:wrappingTextBoxFlag xmlns:ma14="http://schemas.microsoft.com/office/mac/drawingml/2011/main" xmlns="" val="1"/>
+                <ma14:wrappingTextBoxFlag xmlns="" xmlns:ma14="http://schemas.microsoft.com/office/mac/drawingml/2011/main" val="1"/>
               </a:ext>
             </a:extLst>
           </p:spPr>
           <p:txBody>
-            <a:bodyPr wrap="none" lIns="71437" tIns="71437" rIns="71437" bIns="71437" anchor="ctr">
+            <a:bodyPr wrap="square" lIns="71437" tIns="71437" rIns="71437" bIns="71437" anchor="ctr">
               <a:spAutoFit/>
             </a:bodyPr>
             <a:lstStyle/>
             <a:p>
-              <a:pPr algn="r">
+              <a:pPr algn="l">
                 <a:defRPr sz="2000" b="0">
                   <a:solidFill>
                     <a:srgbClr val="919191"/>
@@ -3372,28 +3372,11 @@
               </a:r>
               <a:r>
                 <a:rPr lang="en-AU" dirty="0" err="1"/>
-                <a:t>unsplash</a:t>
+                <a:t>unsplash.com</a:t>
               </a:r>
               <a:r>
                 <a:rPr lang="en-AU" dirty="0"/>
-                <a:t>.</a:t>
-              </a:r>
-            </a:p>
-            <a:p>
-              <a:pPr algn="r">
-                <a:defRPr sz="2000" b="0">
-                  <a:solidFill>
-                    <a:srgbClr val="919191"/>
-                  </a:solidFill>
-                  <a:latin typeface="Montserrat Medium"/>
-                  <a:ea typeface="Montserrat Medium"/>
-                  <a:cs typeface="Montserrat Medium"/>
-                  <a:sym typeface="Montserrat Medium"/>
-                </a:defRPr>
-              </a:pPr>
-              <a:r>
-                <a:rPr lang="en-AU" dirty="0"/>
-                <a:t>com/photos/TamMbr4okv4</a:t>
+                <a:t>/photos/TamMbr4okv4</a:t>
               </a:r>
             </a:p>
           </p:txBody>
@@ -3531,7 +3514,7 @@
             </a:ln>
             <a:extLst>
               <a:ext uri="{C572A759-6A51-4108-AA02-DFA0A04FC94B}">
-                <ma14:wrappingTextBoxFlag xmlns:ma14="http://schemas.microsoft.com/office/mac/drawingml/2011/main" xmlns="" val="1"/>
+                <ma14:wrappingTextBoxFlag xmlns="" xmlns:ma14="http://schemas.microsoft.com/office/mac/drawingml/2011/main" val="1"/>
               </a:ext>
             </a:extLst>
           </p:spPr>
@@ -3582,7 +3565,7 @@
             </a:ln>
             <a:extLst>
               <a:ext uri="{C572A759-6A51-4108-AA02-DFA0A04FC94B}">
-                <ma14:wrappingTextBoxFlag xmlns:ma14="http://schemas.microsoft.com/office/mac/drawingml/2011/main" xmlns="" val="1"/>
+                <ma14:wrappingTextBoxFlag xmlns="" xmlns:ma14="http://schemas.microsoft.com/office/mac/drawingml/2011/main" val="1"/>
               </a:ext>
             </a:extLst>
           </p:spPr>
@@ -3761,7 +3744,7 @@
             </a:ln>
             <a:extLst>
               <a:ext uri="{C572A759-6A51-4108-AA02-DFA0A04FC94B}">
-                <ma14:wrappingTextBoxFlag xmlns:ma14="http://schemas.microsoft.com/office/mac/drawingml/2011/main" xmlns="" val="1"/>
+                <ma14:wrappingTextBoxFlag xmlns="" xmlns:ma14="http://schemas.microsoft.com/office/mac/drawingml/2011/main" val="1"/>
               </a:ext>
             </a:extLst>
           </p:spPr>
@@ -3955,7 +3938,7 @@
             </a:ln>
             <a:extLst>
               <a:ext uri="{C572A759-6A51-4108-AA02-DFA0A04FC94B}">
-                <ma14:wrappingTextBoxFlag xmlns:ma14="http://schemas.microsoft.com/office/mac/drawingml/2011/main" xmlns="" val="1"/>
+                <ma14:wrappingTextBoxFlag xmlns="" xmlns:ma14="http://schemas.microsoft.com/office/mac/drawingml/2011/main" val="1"/>
               </a:ext>
             </a:extLst>
           </p:spPr>
@@ -4050,7 +4033,7 @@
             </a:ln>
             <a:extLst>
               <a:ext uri="{C572A759-6A51-4108-AA02-DFA0A04FC94B}">
-                <ma14:wrappingTextBoxFlag xmlns:ma14="http://schemas.microsoft.com/office/mac/drawingml/2011/main" xmlns="" val="1"/>
+                <ma14:wrappingTextBoxFlag xmlns="" xmlns:ma14="http://schemas.microsoft.com/office/mac/drawingml/2011/main" val="1"/>
               </a:ext>
             </a:extLst>
           </p:spPr>
@@ -4141,7 +4124,7 @@
             </a:ln>
             <a:extLst>
               <a:ext uri="{C572A759-6A51-4108-AA02-DFA0A04FC94B}">
-                <ma14:wrappingTextBoxFlag xmlns:ma14="http://schemas.microsoft.com/office/mac/drawingml/2011/main" xmlns="" val="1"/>
+                <ma14:wrappingTextBoxFlag xmlns="" xmlns:ma14="http://schemas.microsoft.com/office/mac/drawingml/2011/main" val="1"/>
               </a:ext>
             </a:extLst>
           </p:spPr>
@@ -4320,7 +4303,7 @@
             </a:ln>
             <a:extLst>
               <a:ext uri="{C572A759-6A51-4108-AA02-DFA0A04FC94B}">
-                <ma14:wrappingTextBoxFlag xmlns:ma14="http://schemas.microsoft.com/office/mac/drawingml/2011/main" xmlns="" val="1"/>
+                <ma14:wrappingTextBoxFlag xmlns="" xmlns:ma14="http://schemas.microsoft.com/office/mac/drawingml/2011/main" val="1"/>
               </a:ext>
             </a:extLst>
           </p:spPr>
@@ -4536,7 +4519,7 @@
             </a:ln>
             <a:extLst>
               <a:ext uri="{C572A759-6A51-4108-AA02-DFA0A04FC94B}">
-                <ma14:wrappingTextBoxFlag xmlns:ma14="http://schemas.microsoft.com/office/mac/drawingml/2011/main" xmlns="" val="1"/>
+                <ma14:wrappingTextBoxFlag xmlns="" xmlns:ma14="http://schemas.microsoft.com/office/mac/drawingml/2011/main" val="1"/>
               </a:ext>
             </a:extLst>
           </p:spPr>
@@ -4584,7 +4567,7 @@
             </a:ln>
             <a:extLst>
               <a:ext uri="{C572A759-6A51-4108-AA02-DFA0A04FC94B}">
-                <ma14:wrappingTextBoxFlag xmlns:ma14="http://schemas.microsoft.com/office/mac/drawingml/2011/main" xmlns="" val="1"/>
+                <ma14:wrappingTextBoxFlag xmlns="" xmlns:ma14="http://schemas.microsoft.com/office/mac/drawingml/2011/main" val="1"/>
               </a:ext>
             </a:extLst>
           </p:spPr>
@@ -4639,7 +4622,7 @@
           </a:ln>
           <a:extLst>
             <a:ext uri="{C572A759-6A51-4108-AA02-DFA0A04FC94B}">
-              <ma14:wrappingTextBoxFlag xmlns:ma14="http://schemas.microsoft.com/office/mac/drawingml/2011/main" xmlns="" val="1"/>
+              <ma14:wrappingTextBoxFlag xmlns="" xmlns:ma14="http://schemas.microsoft.com/office/mac/drawingml/2011/main" val="1"/>
             </a:ext>
           </a:extLst>
         </p:spPr>
@@ -4680,6 +4663,1773 @@
 </file>
 
 <file path=ppt/slides/slide3.xml><?xml version="1.0" encoding="utf-8"?>
+<p:sld xmlns:a="http://schemas.openxmlformats.org/drawingml/2006/main" xmlns:r="http://schemas.openxmlformats.org/officeDocument/2006/relationships" xmlns:p="http://schemas.openxmlformats.org/presentationml/2006/main">
+  <p:cSld>
+    <p:spTree>
+      <p:nvGrpSpPr>
+        <p:cNvPr id="1" name=""/>
+        <p:cNvGrpSpPr/>
+        <p:nvPr/>
+      </p:nvGrpSpPr>
+      <p:grpSpPr>
+        <a:xfrm>
+          <a:off x="0" y="0"/>
+          <a:ext cx="0" cy="0"/>
+          <a:chOff x="0" y="0"/>
+          <a:chExt cx="0" cy="0"/>
+        </a:xfrm>
+      </p:grpSpPr>
+      <p:pic>
+        <p:nvPicPr>
+          <p:cNvPr id="3" name="Picture 2">
+            <a:extLst>
+              <a:ext uri="{FF2B5EF4-FFF2-40B4-BE49-F238E27FC236}">
+                <a16:creationId xmlns:a16="http://schemas.microsoft.com/office/drawing/2014/main" id="{C1789EC0-5640-BE45-B2C6-DBD19E41134B}"/>
+              </a:ext>
+            </a:extLst>
+          </p:cNvPr>
+          <p:cNvPicPr>
+            <a:picLocks noChangeAspect="1"/>
+          </p:cNvPicPr>
+          <p:nvPr/>
+        </p:nvPicPr>
+        <p:blipFill>
+          <a:blip r:embed="rId2"/>
+          <a:stretch>
+            <a:fillRect/>
+          </a:stretch>
+        </p:blipFill>
+        <p:spPr>
+          <a:xfrm>
+            <a:off x="-38997" y="-11961"/>
+            <a:ext cx="19469100" cy="5905500"/>
+          </a:xfrm>
+          <a:prstGeom prst="rect">
+            <a:avLst/>
+          </a:prstGeom>
+        </p:spPr>
+      </p:pic>
+      <p:sp>
+        <p:nvSpPr>
+          <p:cNvPr id="152" name="Shape 152"/>
+          <p:cNvSpPr/>
+          <p:nvPr/>
+        </p:nvSpPr>
+        <p:spPr>
+          <a:xfrm>
+            <a:off x="540163" y="10442288"/>
+            <a:ext cx="2914642" cy="638176"/>
+          </a:xfrm>
+          <a:prstGeom prst="rect">
+            <a:avLst/>
+          </a:prstGeom>
+          <a:ln w="12700">
+            <a:miter lim="400000"/>
+          </a:ln>
+          <a:extLst>
+            <a:ext uri="{C572A759-6A51-4108-AA02-DFA0A04FC94B}">
+              <ma14:wrappingTextBoxFlag xmlns="" xmlns:ma14="http://schemas.microsoft.com/office/mac/drawingml/2011/main" val="1"/>
+            </a:ext>
+          </a:extLst>
+        </p:spPr>
+        <p:txBody>
+          <a:bodyPr lIns="71437" tIns="71437" rIns="71437" bIns="71437">
+            <a:spAutoFit/>
+          </a:bodyPr>
+          <a:lstStyle>
+            <a:lvl1pPr>
+              <a:defRPr b="0">
+                <a:solidFill>
+                  <a:srgbClr val="FF2830"/>
+                </a:solidFill>
+                <a:latin typeface="Montserrat Medium"/>
+                <a:ea typeface="Montserrat Medium"/>
+                <a:cs typeface="Montserrat Medium"/>
+                <a:sym typeface="Montserrat Medium"/>
+              </a:defRPr>
+            </a:lvl1pPr>
+          </a:lstStyle>
+          <a:p>
+            <a:r>
+              <a:rPr dirty="0"/>
+              <a:t>[</a:t>
+            </a:r>
+            <a:r>
+              <a:rPr lang="en-AU" dirty="0"/>
+              <a:t>1 week</a:t>
+            </a:r>
+            <a:r>
+              <a:rPr dirty="0"/>
+              <a:t>]</a:t>
+            </a:r>
+          </a:p>
+        </p:txBody>
+      </p:sp>
+      <p:sp>
+        <p:nvSpPr>
+          <p:cNvPr id="153" name="Shape 153"/>
+          <p:cNvSpPr/>
+          <p:nvPr/>
+        </p:nvSpPr>
+        <p:spPr>
+          <a:xfrm>
+            <a:off x="4913184" y="10442288"/>
+            <a:ext cx="2104652" cy="638176"/>
+          </a:xfrm>
+          <a:prstGeom prst="rect">
+            <a:avLst/>
+          </a:prstGeom>
+          <a:ln w="12700">
+            <a:miter lim="400000"/>
+          </a:ln>
+          <a:extLst>
+            <a:ext uri="{C572A759-6A51-4108-AA02-DFA0A04FC94B}">
+              <ma14:wrappingTextBoxFlag xmlns="" xmlns:ma14="http://schemas.microsoft.com/office/mac/drawingml/2011/main" val="1"/>
+            </a:ext>
+          </a:extLst>
+        </p:spPr>
+        <p:txBody>
+          <a:bodyPr lIns="71437" tIns="71437" rIns="71437" bIns="71437">
+            <a:spAutoFit/>
+          </a:bodyPr>
+          <a:lstStyle>
+            <a:lvl1pPr>
+              <a:defRPr b="0">
+                <a:solidFill>
+                  <a:srgbClr val="FF2830"/>
+                </a:solidFill>
+                <a:latin typeface="Montserrat Medium"/>
+                <a:ea typeface="Montserrat Medium"/>
+                <a:cs typeface="Montserrat Medium"/>
+                <a:sym typeface="Montserrat Medium"/>
+              </a:defRPr>
+            </a:lvl1pPr>
+          </a:lstStyle>
+          <a:p>
+            <a:r>
+              <a:rPr dirty="0"/>
+              <a:t>[</a:t>
+            </a:r>
+            <a:r>
+              <a:rPr lang="en-AU" dirty="0"/>
+              <a:t>10 mins</a:t>
+            </a:r>
+            <a:r>
+              <a:rPr dirty="0"/>
+              <a:t>] </a:t>
+            </a:r>
+          </a:p>
+        </p:txBody>
+      </p:sp>
+      <p:sp>
+        <p:nvSpPr>
+          <p:cNvPr id="154" name="Shape 154"/>
+          <p:cNvSpPr/>
+          <p:nvPr/>
+        </p:nvSpPr>
+        <p:spPr>
+          <a:xfrm>
+            <a:off x="20560482" y="10442288"/>
+            <a:ext cx="2554258" cy="638176"/>
+          </a:xfrm>
+          <a:prstGeom prst="rect">
+            <a:avLst/>
+          </a:prstGeom>
+          <a:ln w="12700">
+            <a:miter lim="400000"/>
+          </a:ln>
+          <a:extLst>
+            <a:ext uri="{C572A759-6A51-4108-AA02-DFA0A04FC94B}">
+              <ma14:wrappingTextBoxFlag xmlns="" xmlns:ma14="http://schemas.microsoft.com/office/mac/drawingml/2011/main" val="1"/>
+            </a:ext>
+          </a:extLst>
+        </p:spPr>
+        <p:txBody>
+          <a:bodyPr lIns="71437" tIns="71437" rIns="71437" bIns="71437">
+            <a:spAutoFit/>
+          </a:bodyPr>
+          <a:lstStyle>
+            <a:lvl1pPr>
+              <a:defRPr b="0">
+                <a:solidFill>
+                  <a:srgbClr val="FF2830"/>
+                </a:solidFill>
+                <a:latin typeface="Montserrat Medium"/>
+                <a:ea typeface="Montserrat Medium"/>
+                <a:cs typeface="Montserrat Medium"/>
+                <a:sym typeface="Montserrat Medium"/>
+              </a:defRPr>
+            </a:lvl1pPr>
+          </a:lstStyle>
+          <a:p>
+            <a:r>
+              <a:rPr dirty="0"/>
+              <a:t>[1</a:t>
+            </a:r>
+            <a:r>
+              <a:rPr lang="en-AU" dirty="0"/>
+              <a:t>0</a:t>
+            </a:r>
+            <a:r>
+              <a:rPr dirty="0"/>
+              <a:t> min]</a:t>
+            </a:r>
+          </a:p>
+        </p:txBody>
+      </p:sp>
+      <p:sp>
+        <p:nvSpPr>
+          <p:cNvPr id="155" name="Shape 155"/>
+          <p:cNvSpPr/>
+          <p:nvPr/>
+        </p:nvSpPr>
+        <p:spPr>
+          <a:xfrm>
+            <a:off x="153602" y="10987347"/>
+            <a:ext cx="3687764" cy="2235201"/>
+          </a:xfrm>
+          <a:custGeom>
+            <a:avLst/>
+            <a:gdLst/>
+            <a:ahLst/>
+            <a:cxnLst>
+              <a:cxn ang="0">
+                <a:pos x="wd2" y="hd2"/>
+              </a:cxn>
+              <a:cxn ang="5400000">
+                <a:pos x="wd2" y="hd2"/>
+              </a:cxn>
+              <a:cxn ang="10800000">
+                <a:pos x="wd2" y="hd2"/>
+              </a:cxn>
+              <a:cxn ang="16200000">
+                <a:pos x="wd2" y="hd2"/>
+              </a:cxn>
+            </a:cxnLst>
+            <a:rect l="0" t="0" r="r" b="b"/>
+            <a:pathLst>
+              <a:path w="21600" h="21600" extrusionOk="0">
+                <a:moveTo>
+                  <a:pt x="10902" y="0"/>
+                </a:moveTo>
+                <a:lnTo>
+                  <a:pt x="8659" y="4150"/>
+                </a:lnTo>
+                <a:lnTo>
+                  <a:pt x="1492" y="4150"/>
+                </a:lnTo>
+                <a:cubicBezTo>
+                  <a:pt x="668" y="4150"/>
+                  <a:pt x="0" y="5252"/>
+                  <a:pt x="0" y="6612"/>
+                </a:cubicBezTo>
+                <a:lnTo>
+                  <a:pt x="0" y="19138"/>
+                </a:lnTo>
+                <a:cubicBezTo>
+                  <a:pt x="0" y="20498"/>
+                  <a:pt x="668" y="21600"/>
+                  <a:pt x="1492" y="21600"/>
+                </a:cubicBezTo>
+                <a:lnTo>
+                  <a:pt x="20108" y="21600"/>
+                </a:lnTo>
+                <a:cubicBezTo>
+                  <a:pt x="20932" y="21600"/>
+                  <a:pt x="21600" y="20498"/>
+                  <a:pt x="21600" y="19138"/>
+                </a:cubicBezTo>
+                <a:lnTo>
+                  <a:pt x="21600" y="6612"/>
+                </a:lnTo>
+                <a:cubicBezTo>
+                  <a:pt x="21600" y="5252"/>
+                  <a:pt x="20932" y="4150"/>
+                  <a:pt x="20108" y="4150"/>
+                </a:cubicBezTo>
+                <a:lnTo>
+                  <a:pt x="13143" y="4150"/>
+                </a:lnTo>
+                <a:lnTo>
+                  <a:pt x="10902" y="0"/>
+                </a:lnTo>
+                <a:close/>
+              </a:path>
+            </a:pathLst>
+          </a:custGeom>
+          <a:solidFill>
+            <a:srgbClr val="EE5150"/>
+          </a:solidFill>
+          <a:ln w="12700">
+            <a:miter lim="400000"/>
+          </a:ln>
+          <a:extLst>
+            <a:ext uri="{C572A759-6A51-4108-AA02-DFA0A04FC94B}">
+              <ma14:wrappingTextBoxFlag xmlns="" xmlns:ma14="http://schemas.microsoft.com/office/mac/drawingml/2011/main" val="1"/>
+            </a:ext>
+          </a:extLst>
+        </p:spPr>
+        <p:txBody>
+          <a:bodyPr lIns="71437" tIns="71437" rIns="71437" bIns="71437" anchor="ctr"/>
+          <a:lstStyle>
+            <a:lvl1pPr>
+              <a:defRPr sz="3000" b="0">
+                <a:solidFill>
+                  <a:srgbClr val="FFFFFF"/>
+                </a:solidFill>
+                <a:latin typeface="Montserrat Medium"/>
+                <a:ea typeface="Montserrat Medium"/>
+                <a:cs typeface="Montserrat Medium"/>
+                <a:sym typeface="Montserrat Medium"/>
+              </a:defRPr>
+            </a:lvl1pPr>
+          </a:lstStyle>
+          <a:p>
+            <a:r>
+              <a:t>Lorum ipsum dolor sit amet</a:t>
+            </a:r>
+          </a:p>
+        </p:txBody>
+      </p:sp>
+      <p:sp>
+        <p:nvSpPr>
+          <p:cNvPr id="156" name="Shape 156"/>
+          <p:cNvSpPr/>
+          <p:nvPr/>
+        </p:nvSpPr>
+        <p:spPr>
+          <a:xfrm>
+            <a:off x="16533544" y="10442288"/>
+            <a:ext cx="2672083" cy="638176"/>
+          </a:xfrm>
+          <a:prstGeom prst="rect">
+            <a:avLst/>
+          </a:prstGeom>
+          <a:ln w="12700">
+            <a:miter lim="400000"/>
+          </a:ln>
+          <a:extLst>
+            <a:ext uri="{C572A759-6A51-4108-AA02-DFA0A04FC94B}">
+              <ma14:wrappingTextBoxFlag xmlns="" xmlns:ma14="http://schemas.microsoft.com/office/mac/drawingml/2011/main" val="1"/>
+            </a:ext>
+          </a:extLst>
+        </p:spPr>
+        <p:txBody>
+          <a:bodyPr lIns="71437" tIns="71437" rIns="71437" bIns="71437">
+            <a:spAutoFit/>
+          </a:bodyPr>
+          <a:lstStyle>
+            <a:lvl1pPr>
+              <a:defRPr b="0">
+                <a:solidFill>
+                  <a:srgbClr val="FF2830"/>
+                </a:solidFill>
+                <a:latin typeface="Montserrat Medium"/>
+                <a:ea typeface="Montserrat Medium"/>
+                <a:cs typeface="Montserrat Medium"/>
+                <a:sym typeface="Montserrat Medium"/>
+              </a:defRPr>
+            </a:lvl1pPr>
+          </a:lstStyle>
+          <a:p>
+            <a:r>
+              <a:rPr lang="en-AU" dirty="0"/>
+              <a:t>[40 </a:t>
+            </a:r>
+            <a:r>
+              <a:rPr dirty="0"/>
+              <a:t>min</a:t>
+            </a:r>
+            <a:r>
+              <a:rPr lang="en-AU" dirty="0"/>
+              <a:t>s</a:t>
+            </a:r>
+            <a:r>
+              <a:rPr dirty="0"/>
+              <a:t>]</a:t>
+            </a:r>
+          </a:p>
+        </p:txBody>
+      </p:sp>
+      <p:sp>
+        <p:nvSpPr>
+          <p:cNvPr id="164" name="Shape 164"/>
+          <p:cNvSpPr/>
+          <p:nvPr/>
+        </p:nvSpPr>
+        <p:spPr>
+          <a:xfrm>
+            <a:off x="8549445" y="10473018"/>
+            <a:ext cx="2944935" cy="636712"/>
+          </a:xfrm>
+          <a:prstGeom prst="rect">
+            <a:avLst/>
+          </a:prstGeom>
+          <a:ln w="12700">
+            <a:miter lim="400000"/>
+          </a:ln>
+          <a:extLst>
+            <a:ext uri="{C572A759-6A51-4108-AA02-DFA0A04FC94B}">
+              <ma14:wrappingTextBoxFlag xmlns="" xmlns:ma14="http://schemas.microsoft.com/office/mac/drawingml/2011/main" val="1"/>
+            </a:ext>
+          </a:extLst>
+        </p:spPr>
+        <p:txBody>
+          <a:bodyPr wrap="square" lIns="71437" tIns="71437" rIns="71437" bIns="71437">
+            <a:spAutoFit/>
+          </a:bodyPr>
+          <a:lstStyle>
+            <a:lvl1pPr>
+              <a:defRPr b="0">
+                <a:solidFill>
+                  <a:srgbClr val="FF2830"/>
+                </a:solidFill>
+                <a:latin typeface="Montserrat Medium"/>
+                <a:ea typeface="Montserrat Medium"/>
+                <a:cs typeface="Montserrat Medium"/>
+                <a:sym typeface="Montserrat Medium"/>
+              </a:defRPr>
+            </a:lvl1pPr>
+          </a:lstStyle>
+          <a:p>
+            <a:r>
+              <a:rPr dirty="0"/>
+              <a:t>[</a:t>
+            </a:r>
+            <a:r>
+              <a:rPr lang="en-AU" dirty="0"/>
+              <a:t>20-40 mins</a:t>
+            </a:r>
+            <a:r>
+              <a:rPr dirty="0"/>
+              <a:t>]</a:t>
+            </a:r>
+          </a:p>
+        </p:txBody>
+      </p:sp>
+      <p:sp>
+        <p:nvSpPr>
+          <p:cNvPr id="166" name="Shape 166"/>
+          <p:cNvSpPr/>
+          <p:nvPr/>
+        </p:nvSpPr>
+        <p:spPr>
+          <a:xfrm>
+            <a:off x="12541495" y="10473018"/>
+            <a:ext cx="2944934" cy="636712"/>
+          </a:xfrm>
+          <a:prstGeom prst="rect">
+            <a:avLst/>
+          </a:prstGeom>
+          <a:ln w="12700">
+            <a:miter lim="400000"/>
+          </a:ln>
+          <a:extLst>
+            <a:ext uri="{C572A759-6A51-4108-AA02-DFA0A04FC94B}">
+              <ma14:wrappingTextBoxFlag xmlns="" xmlns:ma14="http://schemas.microsoft.com/office/mac/drawingml/2011/main" val="1"/>
+            </a:ext>
+          </a:extLst>
+        </p:spPr>
+        <p:txBody>
+          <a:bodyPr wrap="square" lIns="71437" tIns="71437" rIns="71437" bIns="71437">
+            <a:spAutoFit/>
+          </a:bodyPr>
+          <a:lstStyle>
+            <a:lvl1pPr>
+              <a:defRPr b="0">
+                <a:solidFill>
+                  <a:srgbClr val="FF2830"/>
+                </a:solidFill>
+                <a:latin typeface="Montserrat Medium"/>
+                <a:ea typeface="Montserrat Medium"/>
+                <a:cs typeface="Montserrat Medium"/>
+                <a:sym typeface="Montserrat Medium"/>
+              </a:defRPr>
+            </a:lvl1pPr>
+          </a:lstStyle>
+          <a:p>
+            <a:r>
+              <a:rPr dirty="0"/>
+              <a:t>[</a:t>
+            </a:r>
+            <a:r>
+              <a:rPr lang="en-AU" dirty="0"/>
+              <a:t>60-90 mins</a:t>
+            </a:r>
+            <a:r>
+              <a:rPr dirty="0"/>
+              <a:t>] </a:t>
+            </a:r>
+          </a:p>
+        </p:txBody>
+      </p:sp>
+      <p:grpSp>
+        <p:nvGrpSpPr>
+          <p:cNvPr id="2" name="Group 1">
+            <a:extLst>
+              <a:ext uri="{FF2B5EF4-FFF2-40B4-BE49-F238E27FC236}">
+                <a16:creationId xmlns:a16="http://schemas.microsoft.com/office/drawing/2014/main" id="{662C4E40-F3DE-944C-83FA-894A0483E1A3}"/>
+              </a:ext>
+            </a:extLst>
+          </p:cNvPr>
+          <p:cNvGrpSpPr/>
+          <p:nvPr/>
+        </p:nvGrpSpPr>
+        <p:grpSpPr>
+          <a:xfrm>
+            <a:off x="-11907" y="-1182738"/>
+            <a:ext cx="24474866" cy="11416365"/>
+            <a:chOff x="-11907" y="-1182738"/>
+            <a:chExt cx="24474866" cy="11416365"/>
+          </a:xfrm>
+        </p:grpSpPr>
+        <p:sp>
+          <p:nvSpPr>
+            <p:cNvPr id="139" name="Shape 139"/>
+            <p:cNvSpPr/>
+            <p:nvPr/>
+          </p:nvSpPr>
+          <p:spPr>
+            <a:xfrm rot="16200000">
+              <a:off x="14734463" y="1317089"/>
+              <a:ext cx="6120259" cy="3360399"/>
+            </a:xfrm>
+            <a:custGeom>
+              <a:avLst/>
+              <a:gdLst/>
+              <a:ahLst/>
+              <a:cxnLst>
+                <a:cxn ang="0">
+                  <a:pos x="wd2" y="hd2"/>
+                </a:cxn>
+                <a:cxn ang="5400000">
+                  <a:pos x="wd2" y="hd2"/>
+                </a:cxn>
+                <a:cxn ang="10800000">
+                  <a:pos x="wd2" y="hd2"/>
+                </a:cxn>
+                <a:cxn ang="16200000">
+                  <a:pos x="wd2" y="hd2"/>
+                </a:cxn>
+              </a:cxnLst>
+              <a:rect l="0" t="0" r="r" b="b"/>
+              <a:pathLst>
+                <a:path w="21600" h="21600" extrusionOk="0">
+                  <a:moveTo>
+                    <a:pt x="0" y="0"/>
+                  </a:moveTo>
+                  <a:lnTo>
+                    <a:pt x="0" y="21600"/>
+                  </a:lnTo>
+                  <a:lnTo>
+                    <a:pt x="21600" y="21600"/>
+                  </a:lnTo>
+                  <a:close/>
+                </a:path>
+              </a:pathLst>
+            </a:custGeom>
+            <a:solidFill>
+              <a:srgbClr val="FFFFFF"/>
+            </a:solidFill>
+            <a:ln w="12700">
+              <a:miter lim="400000"/>
+            </a:ln>
+          </p:spPr>
+          <p:txBody>
+            <a:bodyPr lIns="71437" tIns="71437" rIns="71437" bIns="71437" anchor="ctr"/>
+            <a:lstStyle/>
+            <a:p>
+              <a:pPr>
+                <a:defRPr sz="3000" b="0">
+                  <a:solidFill>
+                    <a:srgbClr val="FFFFFF"/>
+                  </a:solidFill>
+                  <a:latin typeface="+mn-lt"/>
+                  <a:ea typeface="+mn-ea"/>
+                  <a:cs typeface="+mn-cs"/>
+                  <a:sym typeface="Helvetica Neue Medium"/>
+                </a:defRPr>
+              </a:pPr>
+              <a:endParaRPr/>
+            </a:p>
+          </p:txBody>
+        </p:sp>
+        <p:sp>
+          <p:nvSpPr>
+            <p:cNvPr id="140" name="Shape 140"/>
+            <p:cNvSpPr/>
+            <p:nvPr/>
+          </p:nvSpPr>
+          <p:spPr>
+            <a:xfrm rot="16200000">
+              <a:off x="17562253" y="615600"/>
+              <a:ext cx="3063687" cy="1682153"/>
+            </a:xfrm>
+            <a:custGeom>
+              <a:avLst/>
+              <a:gdLst/>
+              <a:ahLst/>
+              <a:cxnLst>
+                <a:cxn ang="0">
+                  <a:pos x="wd2" y="hd2"/>
+                </a:cxn>
+                <a:cxn ang="5400000">
+                  <a:pos x="wd2" y="hd2"/>
+                </a:cxn>
+                <a:cxn ang="10800000">
+                  <a:pos x="wd2" y="hd2"/>
+                </a:cxn>
+                <a:cxn ang="16200000">
+                  <a:pos x="wd2" y="hd2"/>
+                </a:cxn>
+              </a:cxnLst>
+              <a:rect l="0" t="0" r="r" b="b"/>
+              <a:pathLst>
+                <a:path w="21600" h="21600" extrusionOk="0">
+                  <a:moveTo>
+                    <a:pt x="0" y="0"/>
+                  </a:moveTo>
+                  <a:lnTo>
+                    <a:pt x="0" y="21600"/>
+                  </a:lnTo>
+                  <a:lnTo>
+                    <a:pt x="21600" y="21600"/>
+                  </a:lnTo>
+                  <a:close/>
+                </a:path>
+              </a:pathLst>
+            </a:custGeom>
+            <a:solidFill>
+              <a:srgbClr val="EE5150"/>
+            </a:solidFill>
+            <a:ln w="12700">
+              <a:miter lim="400000"/>
+            </a:ln>
+          </p:spPr>
+          <p:txBody>
+            <a:bodyPr lIns="71437" tIns="71437" rIns="71437" bIns="71437" anchor="ctr"/>
+            <a:lstStyle/>
+            <a:p>
+              <a:pPr>
+                <a:defRPr sz="3000" b="0">
+                  <a:solidFill>
+                    <a:srgbClr val="FFFFFF"/>
+                  </a:solidFill>
+                  <a:latin typeface="+mn-lt"/>
+                  <a:ea typeface="+mn-ea"/>
+                  <a:cs typeface="+mn-cs"/>
+                  <a:sym typeface="Helvetica Neue Medium"/>
+                </a:defRPr>
+              </a:pPr>
+              <a:endParaRPr/>
+            </a:p>
+          </p:txBody>
+        </p:sp>
+        <p:sp>
+          <p:nvSpPr>
+            <p:cNvPr id="141" name="Shape 141"/>
+            <p:cNvSpPr/>
+            <p:nvPr/>
+          </p:nvSpPr>
+          <p:spPr>
+            <a:xfrm>
+              <a:off x="19899076" y="-60452"/>
+              <a:ext cx="4496226" cy="3047293"/>
+            </a:xfrm>
+            <a:prstGeom prst="rect">
+              <a:avLst/>
+            </a:prstGeom>
+            <a:solidFill>
+              <a:srgbClr val="EE5150"/>
+            </a:solidFill>
+            <a:ln w="12700">
+              <a:miter lim="400000"/>
+            </a:ln>
+          </p:spPr>
+          <p:txBody>
+            <a:bodyPr lIns="71437" tIns="71437" rIns="71437" bIns="71437" anchor="ctr"/>
+            <a:lstStyle/>
+            <a:p>
+              <a:pPr>
+                <a:defRPr sz="3000" b="0">
+                  <a:solidFill>
+                    <a:srgbClr val="FFFFFF"/>
+                  </a:solidFill>
+                  <a:latin typeface="+mn-lt"/>
+                  <a:ea typeface="+mn-ea"/>
+                  <a:cs typeface="+mn-cs"/>
+                  <a:sym typeface="Helvetica Neue Medium"/>
+                </a:defRPr>
+              </a:pPr>
+              <a:endParaRPr/>
+            </a:p>
+          </p:txBody>
+        </p:sp>
+        <p:sp>
+          <p:nvSpPr>
+            <p:cNvPr id="142" name="Shape 142"/>
+            <p:cNvSpPr/>
+            <p:nvPr/>
+          </p:nvSpPr>
+          <p:spPr>
+            <a:xfrm>
+              <a:off x="19212262" y="-576935"/>
+              <a:ext cx="5250697" cy="2607060"/>
+            </a:xfrm>
+            <a:prstGeom prst="rect">
+              <a:avLst/>
+            </a:prstGeom>
+            <a:ln w="12700">
+              <a:miter lim="400000"/>
+            </a:ln>
+            <a:extLst>
+              <a:ext uri="{C572A759-6A51-4108-AA02-DFA0A04FC94B}">
+                <ma14:wrappingTextBoxFlag xmlns="" xmlns:ma14="http://schemas.microsoft.com/office/mac/drawingml/2011/main" val="1"/>
+              </a:ext>
+            </a:extLst>
+          </p:spPr>
+          <p:txBody>
+            <a:bodyPr lIns="0" tIns="0" rIns="0" bIns="0" anchor="ctr">
+              <a:spAutoFit/>
+            </a:bodyPr>
+            <a:lstStyle/>
+            <a:p>
+              <a:pPr lvl="3" algn="l" defTabSz="642937">
+                <a:lnSpc>
+                  <a:spcPts val="24800"/>
+                </a:lnSpc>
+                <a:defRPr sz="7000" b="0" spc="-140">
+                  <a:solidFill>
+                    <a:srgbClr val="FFFFFF"/>
+                  </a:solidFill>
+                  <a:latin typeface="Montserrat Bold"/>
+                  <a:ea typeface="Montserrat Bold"/>
+                  <a:cs typeface="Montserrat Bold"/>
+                  <a:sym typeface="Montserrat Bold"/>
+                </a:defRPr>
+              </a:pPr>
+              <a:r>
+                <a:rPr dirty="0"/>
+                <a:t>PAGE </a:t>
+              </a:r>
+              <a:r>
+                <a:rPr lang="en-AU" dirty="0"/>
+                <a:t>152</a:t>
+              </a:r>
+              <a:endParaRPr dirty="0"/>
+            </a:p>
+          </p:txBody>
+        </p:sp>
+        <p:sp>
+          <p:nvSpPr>
+            <p:cNvPr id="143" name="Shape 143"/>
+            <p:cNvSpPr/>
+            <p:nvPr/>
+          </p:nvSpPr>
+          <p:spPr>
+            <a:xfrm>
+              <a:off x="1334644" y="6636377"/>
+              <a:ext cx="21354888" cy="1129154"/>
+            </a:xfrm>
+            <a:prstGeom prst="rect">
+              <a:avLst/>
+            </a:prstGeom>
+            <a:ln w="12700">
+              <a:miter lim="400000"/>
+            </a:ln>
+            <a:extLst>
+              <a:ext uri="{C572A759-6A51-4108-AA02-DFA0A04FC94B}">
+                <ma14:wrappingTextBoxFlag xmlns="" xmlns:ma14="http://schemas.microsoft.com/office/mac/drawingml/2011/main" val="1"/>
+              </a:ext>
+            </a:extLst>
+          </p:spPr>
+          <p:txBody>
+            <a:bodyPr lIns="71437" tIns="71437" rIns="71437" bIns="71437">
+              <a:spAutoFit/>
+            </a:bodyPr>
+            <a:lstStyle>
+              <a:lvl1pPr algn="l">
+                <a:defRPr b="0">
+                  <a:latin typeface="Montserrat Medium"/>
+                  <a:ea typeface="Montserrat Medium"/>
+                  <a:cs typeface="Montserrat Medium"/>
+                  <a:sym typeface="Montserrat Medium"/>
+                </a:defRPr>
+              </a:lvl1pPr>
+            </a:lstStyle>
+            <a:p>
+              <a:r>
+                <a:rPr lang="en-AU" dirty="0"/>
+                <a:t>In this exercise, you will analyse an organisation’s (or team’s) existing strategy to identify inconsistent viewpoints amongst team members. Use the template provided on the companion website.</a:t>
+              </a:r>
+            </a:p>
+          </p:txBody>
+        </p:sp>
+        <p:sp>
+          <p:nvSpPr>
+            <p:cNvPr id="144" name="Shape 144"/>
+            <p:cNvSpPr/>
+            <p:nvPr/>
+          </p:nvSpPr>
+          <p:spPr>
+            <a:xfrm rot="16200000">
+              <a:off x="16480800" y="3733069"/>
+              <a:ext cx="2107691" cy="1157253"/>
+            </a:xfrm>
+            <a:custGeom>
+              <a:avLst/>
+              <a:gdLst/>
+              <a:ahLst/>
+              <a:cxnLst>
+                <a:cxn ang="0">
+                  <a:pos x="wd2" y="hd2"/>
+                </a:cxn>
+                <a:cxn ang="5400000">
+                  <a:pos x="wd2" y="hd2"/>
+                </a:cxn>
+                <a:cxn ang="10800000">
+                  <a:pos x="wd2" y="hd2"/>
+                </a:cxn>
+                <a:cxn ang="16200000">
+                  <a:pos x="wd2" y="hd2"/>
+                </a:cxn>
+              </a:cxnLst>
+              <a:rect l="0" t="0" r="r" b="b"/>
+              <a:pathLst>
+                <a:path w="21600" h="21600" extrusionOk="0">
+                  <a:moveTo>
+                    <a:pt x="0" y="0"/>
+                  </a:moveTo>
+                  <a:lnTo>
+                    <a:pt x="0" y="21600"/>
+                  </a:lnTo>
+                  <a:lnTo>
+                    <a:pt x="21600" y="21600"/>
+                  </a:lnTo>
+                  <a:close/>
+                </a:path>
+              </a:pathLst>
+            </a:custGeom>
+            <a:solidFill>
+              <a:srgbClr val="212121"/>
+            </a:solidFill>
+            <a:ln w="12700">
+              <a:miter lim="400000"/>
+            </a:ln>
+          </p:spPr>
+          <p:txBody>
+            <a:bodyPr lIns="71437" tIns="71437" rIns="71437" bIns="71437" anchor="ctr"/>
+            <a:lstStyle/>
+            <a:p>
+              <a:pPr>
+                <a:defRPr sz="3000" b="0">
+                  <a:solidFill>
+                    <a:srgbClr val="FFFFFF"/>
+                  </a:solidFill>
+                  <a:latin typeface="+mn-lt"/>
+                  <a:ea typeface="+mn-ea"/>
+                  <a:cs typeface="+mn-cs"/>
+                  <a:sym typeface="Helvetica Neue Medium"/>
+                </a:defRPr>
+              </a:pPr>
+              <a:endParaRPr/>
+            </a:p>
+          </p:txBody>
+        </p:sp>
+        <p:sp>
+          <p:nvSpPr>
+            <p:cNvPr id="145" name="Shape 145"/>
+            <p:cNvSpPr/>
+            <p:nvPr/>
+          </p:nvSpPr>
+          <p:spPr>
+            <a:xfrm>
+              <a:off x="18112142" y="3266047"/>
+              <a:ext cx="6294408" cy="2107692"/>
+            </a:xfrm>
+            <a:prstGeom prst="rect">
+              <a:avLst/>
+            </a:prstGeom>
+            <a:solidFill>
+              <a:srgbClr val="212121"/>
+            </a:solidFill>
+            <a:ln w="12700">
+              <a:miter lim="400000"/>
+            </a:ln>
+          </p:spPr>
+          <p:txBody>
+            <a:bodyPr lIns="71437" tIns="71437" rIns="71437" bIns="71437" anchor="ctr"/>
+            <a:lstStyle/>
+            <a:p>
+              <a:pPr marR="254000" algn="r">
+                <a:defRPr sz="3000" b="0">
+                  <a:solidFill>
+                    <a:srgbClr val="FFFFFF"/>
+                  </a:solidFill>
+                  <a:latin typeface="Montserrat Bold"/>
+                  <a:ea typeface="Montserrat Bold"/>
+                  <a:cs typeface="Montserrat Bold"/>
+                  <a:sym typeface="Montserrat Bold"/>
+                </a:defRPr>
+              </a:pPr>
+              <a:endParaRPr/>
+            </a:p>
+          </p:txBody>
+        </p:sp>
+        <p:sp>
+          <p:nvSpPr>
+            <p:cNvPr id="146" name="Shape 146"/>
+            <p:cNvSpPr/>
+            <p:nvPr/>
+          </p:nvSpPr>
+          <p:spPr>
+            <a:xfrm>
+              <a:off x="20149046" y="3324616"/>
+              <a:ext cx="3996285" cy="2529538"/>
+            </a:xfrm>
+            <a:prstGeom prst="rect">
+              <a:avLst/>
+            </a:prstGeom>
+            <a:ln w="12700">
+              <a:miter lim="400000"/>
+            </a:ln>
+            <a:extLst>
+              <a:ext uri="{C572A759-6A51-4108-AA02-DFA0A04FC94B}">
+                <ma14:wrappingTextBoxFlag xmlns="" xmlns:ma14="http://schemas.microsoft.com/office/mac/drawingml/2011/main" val="1"/>
+              </a:ext>
+            </a:extLst>
+          </p:spPr>
+          <p:txBody>
+            <a:bodyPr wrap="none" lIns="71437" tIns="71437" rIns="71437" bIns="71437" anchor="ctr">
+              <a:spAutoFit/>
+            </a:bodyPr>
+            <a:lstStyle/>
+            <a:p>
+              <a:pPr marR="254000" algn="r">
+                <a:defRPr sz="3000" b="0">
+                  <a:solidFill>
+                    <a:srgbClr val="FFFFFF"/>
+                  </a:solidFill>
+                  <a:latin typeface="Montserrat Bold"/>
+                  <a:ea typeface="Montserrat Bold"/>
+                  <a:cs typeface="Montserrat Bold"/>
+                  <a:sym typeface="Montserrat Bold"/>
+                </a:defRPr>
+              </a:pPr>
+              <a:r>
+                <a:rPr sz="2500" dirty="0"/>
+                <a:t>YOU WILL NEED</a:t>
+              </a:r>
+              <a:br>
+                <a:rPr sz="2500" dirty="0"/>
+              </a:br>
+              <a:r>
+                <a:rPr lang="en-AU" sz="2500" dirty="0"/>
+                <a:t>2+ participants, 1-2</a:t>
+              </a:r>
+            </a:p>
+            <a:p>
+              <a:pPr marR="254000" algn="r">
+                <a:defRPr sz="3000" b="0">
+                  <a:solidFill>
+                    <a:srgbClr val="FFFFFF"/>
+                  </a:solidFill>
+                  <a:latin typeface="Montserrat Bold"/>
+                  <a:ea typeface="Montserrat Bold"/>
+                  <a:cs typeface="Montserrat Bold"/>
+                  <a:sym typeface="Montserrat Bold"/>
+                </a:defRPr>
+              </a:pPr>
+              <a:r>
+                <a:rPr lang="en-AU" sz="2500" dirty="0"/>
+                <a:t>people, whiteboard</a:t>
+              </a:r>
+            </a:p>
+            <a:p>
+              <a:pPr marR="254000" algn="r">
+                <a:defRPr sz="3000" b="0">
+                  <a:solidFill>
+                    <a:srgbClr val="FFFFFF"/>
+                  </a:solidFill>
+                  <a:latin typeface="Montserrat Bold"/>
+                  <a:ea typeface="Montserrat Bold"/>
+                  <a:cs typeface="Montserrat Bold"/>
+                  <a:sym typeface="Montserrat Bold"/>
+                </a:defRPr>
+              </a:pPr>
+              <a:r>
+                <a:rPr lang="en-AU" sz="2500" dirty="0"/>
+                <a:t>or A2 paper, markers,</a:t>
+              </a:r>
+            </a:p>
+            <a:p>
+              <a:pPr marR="254000" algn="r">
+                <a:defRPr sz="3000" b="0">
+                  <a:solidFill>
+                    <a:srgbClr val="FFFFFF"/>
+                  </a:solidFill>
+                  <a:latin typeface="Montserrat Bold"/>
+                  <a:ea typeface="Montserrat Bold"/>
+                  <a:cs typeface="Montserrat Bold"/>
+                  <a:sym typeface="Montserrat Bold"/>
+                </a:defRPr>
+              </a:pPr>
+              <a:r>
+                <a:rPr lang="en-AU" sz="2500" dirty="0"/>
+                <a:t>sticky notes, pens</a:t>
+              </a:r>
+            </a:p>
+            <a:p>
+              <a:pPr marR="254000" algn="r">
+                <a:defRPr sz="3000" b="0">
+                  <a:solidFill>
+                    <a:srgbClr val="FFFFFF"/>
+                  </a:solidFill>
+                  <a:latin typeface="Montserrat Bold"/>
+                  <a:ea typeface="Montserrat Bold"/>
+                  <a:cs typeface="Montserrat Bold"/>
+                  <a:sym typeface="Montserrat Bold"/>
+                </a:defRPr>
+              </a:pPr>
+              <a:endParaRPr dirty="0">
+                <a:latin typeface="Montserrat Medium"/>
+                <a:ea typeface="Montserrat Medium"/>
+                <a:cs typeface="Montserrat Medium"/>
+                <a:sym typeface="Montserrat Medium"/>
+              </a:endParaRPr>
+            </a:p>
+          </p:txBody>
+        </p:sp>
+        <p:sp>
+          <p:nvSpPr>
+            <p:cNvPr id="147" name="Shape 147"/>
+            <p:cNvSpPr/>
+            <p:nvPr/>
+          </p:nvSpPr>
+          <p:spPr>
+            <a:xfrm>
+              <a:off x="2479707" y="9714356"/>
+              <a:ext cx="19139561" cy="1"/>
+            </a:xfrm>
+            <a:prstGeom prst="line">
+              <a:avLst/>
+            </a:prstGeom>
+            <a:ln w="88900">
+              <a:solidFill>
+                <a:srgbClr val="000000"/>
+              </a:solidFill>
+              <a:miter lim="400000"/>
+            </a:ln>
+          </p:spPr>
+          <p:txBody>
+            <a:bodyPr lIns="71437" tIns="71437" rIns="71437" bIns="71437" anchor="ctr"/>
+            <a:lstStyle/>
+            <a:p>
+              <a:pPr>
+                <a:defRPr sz="3000" b="0">
+                  <a:solidFill>
+                    <a:srgbClr val="FFFFFF"/>
+                  </a:solidFill>
+                  <a:latin typeface="+mn-lt"/>
+                  <a:ea typeface="+mn-ea"/>
+                  <a:cs typeface="+mn-cs"/>
+                  <a:sym typeface="Helvetica Neue Medium"/>
+                </a:defRPr>
+              </a:pPr>
+              <a:endParaRPr/>
+            </a:p>
+          </p:txBody>
+        </p:sp>
+        <p:sp>
+          <p:nvSpPr>
+            <p:cNvPr id="148" name="Shape 148"/>
+            <p:cNvSpPr/>
+            <p:nvPr/>
+          </p:nvSpPr>
+          <p:spPr>
+            <a:xfrm>
+              <a:off x="1478213" y="9195086"/>
+              <a:ext cx="1038542" cy="1038541"/>
+            </a:xfrm>
+            <a:prstGeom prst="ellipse">
+              <a:avLst/>
+            </a:prstGeom>
+            <a:solidFill>
+              <a:srgbClr val="EE5150"/>
+            </a:solidFill>
+            <a:ln w="12700">
+              <a:miter lim="400000"/>
+            </a:ln>
+            <a:extLst>
+              <a:ext uri="{C572A759-6A51-4108-AA02-DFA0A04FC94B}">
+                <ma14:wrappingTextBoxFlag xmlns="" xmlns:ma14="http://schemas.microsoft.com/office/mac/drawingml/2011/main" val="1"/>
+              </a:ext>
+            </a:extLst>
+          </p:spPr>
+          <p:txBody>
+            <a:bodyPr lIns="71437" tIns="71437" rIns="71437" bIns="71437" anchor="ctr"/>
+            <a:lstStyle>
+              <a:lvl1pPr>
+                <a:defRPr sz="4000" b="0">
+                  <a:solidFill>
+                    <a:srgbClr val="FFFFFF"/>
+                  </a:solidFill>
+                  <a:latin typeface="Montserrat Bold"/>
+                  <a:ea typeface="Montserrat Bold"/>
+                  <a:cs typeface="Montserrat Bold"/>
+                  <a:sym typeface="Montserrat Bold"/>
+                </a:defRPr>
+              </a:lvl1pPr>
+            </a:lstStyle>
+            <a:p>
+              <a:r>
+                <a:t>1</a:t>
+              </a:r>
+            </a:p>
+          </p:txBody>
+        </p:sp>
+        <p:sp>
+          <p:nvSpPr>
+            <p:cNvPr id="149" name="Shape 149"/>
+            <p:cNvSpPr/>
+            <p:nvPr/>
+          </p:nvSpPr>
+          <p:spPr>
+            <a:xfrm>
+              <a:off x="21318340" y="9195086"/>
+              <a:ext cx="1038542" cy="1038541"/>
+            </a:xfrm>
+            <a:prstGeom prst="ellipse">
+              <a:avLst/>
+            </a:prstGeom>
+            <a:solidFill>
+              <a:srgbClr val="D6D6D6"/>
+            </a:solidFill>
+            <a:ln w="12700">
+              <a:miter lim="400000"/>
+            </a:ln>
+            <a:extLst>
+              <a:ext uri="{C572A759-6A51-4108-AA02-DFA0A04FC94B}">
+                <ma14:wrappingTextBoxFlag xmlns="" xmlns:ma14="http://schemas.microsoft.com/office/mac/drawingml/2011/main" val="1"/>
+              </a:ext>
+            </a:extLst>
+          </p:spPr>
+          <p:txBody>
+            <a:bodyPr lIns="71437" tIns="71437" rIns="71437" bIns="71437" anchor="ctr"/>
+            <a:lstStyle>
+              <a:lvl1pPr>
+                <a:defRPr sz="4000" b="0">
+                  <a:solidFill>
+                    <a:srgbClr val="FFFFFF"/>
+                  </a:solidFill>
+                  <a:latin typeface="Montserrat Bold"/>
+                  <a:ea typeface="Montserrat Bold"/>
+                  <a:cs typeface="Montserrat Bold"/>
+                  <a:sym typeface="Montserrat Bold"/>
+                </a:defRPr>
+              </a:lvl1pPr>
+            </a:lstStyle>
+            <a:p>
+              <a:r>
+                <a:t>6</a:t>
+              </a:r>
+            </a:p>
+          </p:txBody>
+        </p:sp>
+        <p:sp>
+          <p:nvSpPr>
+            <p:cNvPr id="150" name="Shape 150"/>
+            <p:cNvSpPr/>
+            <p:nvPr/>
+          </p:nvSpPr>
+          <p:spPr>
+            <a:xfrm>
+              <a:off x="5446239" y="9195086"/>
+              <a:ext cx="1038541" cy="1038541"/>
+            </a:xfrm>
+            <a:prstGeom prst="ellipse">
+              <a:avLst/>
+            </a:prstGeom>
+            <a:solidFill>
+              <a:srgbClr val="D6D6D6"/>
+            </a:solidFill>
+            <a:ln w="12700">
+              <a:miter lim="400000"/>
+            </a:ln>
+            <a:extLst>
+              <a:ext uri="{C572A759-6A51-4108-AA02-DFA0A04FC94B}">
+                <ma14:wrappingTextBoxFlag xmlns="" xmlns:ma14="http://schemas.microsoft.com/office/mac/drawingml/2011/main" val="1"/>
+              </a:ext>
+            </a:extLst>
+          </p:spPr>
+          <p:txBody>
+            <a:bodyPr lIns="71437" tIns="71437" rIns="71437" bIns="71437" anchor="ctr"/>
+            <a:lstStyle>
+              <a:lvl1pPr>
+                <a:defRPr sz="4000" b="0">
+                  <a:solidFill>
+                    <a:srgbClr val="FFFFFF"/>
+                  </a:solidFill>
+                  <a:latin typeface="Montserrat Bold"/>
+                  <a:ea typeface="Montserrat Bold"/>
+                  <a:cs typeface="Montserrat Bold"/>
+                  <a:sym typeface="Montserrat Bold"/>
+                </a:defRPr>
+              </a:lvl1pPr>
+            </a:lstStyle>
+            <a:p>
+              <a:r>
+                <a:t>2</a:t>
+              </a:r>
+            </a:p>
+          </p:txBody>
+        </p:sp>
+        <p:sp>
+          <p:nvSpPr>
+            <p:cNvPr id="151" name="Shape 151"/>
+            <p:cNvSpPr/>
+            <p:nvPr/>
+          </p:nvSpPr>
+          <p:spPr>
+            <a:xfrm>
+              <a:off x="17350314" y="9195086"/>
+              <a:ext cx="1038541" cy="1038541"/>
+            </a:xfrm>
+            <a:prstGeom prst="ellipse">
+              <a:avLst/>
+            </a:prstGeom>
+            <a:solidFill>
+              <a:srgbClr val="D6D6D6"/>
+            </a:solidFill>
+            <a:ln w="12700">
+              <a:miter lim="400000"/>
+            </a:ln>
+            <a:extLst>
+              <a:ext uri="{C572A759-6A51-4108-AA02-DFA0A04FC94B}">
+                <ma14:wrappingTextBoxFlag xmlns="" xmlns:ma14="http://schemas.microsoft.com/office/mac/drawingml/2011/main" val="1"/>
+              </a:ext>
+            </a:extLst>
+          </p:spPr>
+          <p:txBody>
+            <a:bodyPr lIns="71437" tIns="71437" rIns="71437" bIns="71437" anchor="ctr"/>
+            <a:lstStyle>
+              <a:lvl1pPr>
+                <a:defRPr sz="4000" b="0">
+                  <a:solidFill>
+                    <a:srgbClr val="FFFFFF"/>
+                  </a:solidFill>
+                  <a:latin typeface="Montserrat Bold"/>
+                  <a:ea typeface="Montserrat Bold"/>
+                  <a:cs typeface="Montserrat Bold"/>
+                  <a:sym typeface="Montserrat Bold"/>
+                </a:defRPr>
+              </a:lvl1pPr>
+            </a:lstStyle>
+            <a:p>
+              <a:r>
+                <a:t>5</a:t>
+              </a:r>
+            </a:p>
+          </p:txBody>
+        </p:sp>
+        <p:sp>
+          <p:nvSpPr>
+            <p:cNvPr id="157" name="Shape 157"/>
+            <p:cNvSpPr/>
+            <p:nvPr/>
+          </p:nvSpPr>
+          <p:spPr>
+            <a:xfrm>
+              <a:off x="-11907" y="460111"/>
+              <a:ext cx="16055862" cy="2321716"/>
+            </a:xfrm>
+            <a:prstGeom prst="rect">
+              <a:avLst/>
+            </a:prstGeom>
+            <a:solidFill>
+              <a:srgbClr val="EE5150"/>
+            </a:solidFill>
+            <a:ln w="12700">
+              <a:miter lim="400000"/>
+            </a:ln>
+          </p:spPr>
+          <p:txBody>
+            <a:bodyPr lIns="0" tIns="0" rIns="0" bIns="0" anchor="ctr"/>
+            <a:lstStyle/>
+            <a:p>
+              <a:pPr lvl="3" algn="l" defTabSz="642937">
+                <a:lnSpc>
+                  <a:spcPts val="27900"/>
+                </a:lnSpc>
+                <a:defRPr sz="9600">
+                  <a:solidFill>
+                    <a:srgbClr val="FFFFFF"/>
+                  </a:solidFill>
+                  <a:latin typeface="Tw Cen MT"/>
+                  <a:ea typeface="Tw Cen MT"/>
+                  <a:cs typeface="Tw Cen MT"/>
+                  <a:sym typeface="Tw Cen MT"/>
+                </a:defRPr>
+              </a:pPr>
+              <a:endParaRPr/>
+            </a:p>
+          </p:txBody>
+        </p:sp>
+        <p:sp>
+          <p:nvSpPr>
+            <p:cNvPr id="158" name="Shape 158"/>
+            <p:cNvSpPr/>
+            <p:nvPr/>
+          </p:nvSpPr>
+          <p:spPr>
+            <a:xfrm rot="5400000">
+              <a:off x="15518519" y="985272"/>
+              <a:ext cx="2321716" cy="1271394"/>
+            </a:xfrm>
+            <a:custGeom>
+              <a:avLst/>
+              <a:gdLst/>
+              <a:ahLst/>
+              <a:cxnLst>
+                <a:cxn ang="0">
+                  <a:pos x="wd2" y="hd2"/>
+                </a:cxn>
+                <a:cxn ang="5400000">
+                  <a:pos x="wd2" y="hd2"/>
+                </a:cxn>
+                <a:cxn ang="10800000">
+                  <a:pos x="wd2" y="hd2"/>
+                </a:cxn>
+                <a:cxn ang="16200000">
+                  <a:pos x="wd2" y="hd2"/>
+                </a:cxn>
+              </a:cxnLst>
+              <a:rect l="0" t="0" r="r" b="b"/>
+              <a:pathLst>
+                <a:path w="21600" h="21600" extrusionOk="0">
+                  <a:moveTo>
+                    <a:pt x="0" y="0"/>
+                  </a:moveTo>
+                  <a:lnTo>
+                    <a:pt x="0" y="21600"/>
+                  </a:lnTo>
+                  <a:lnTo>
+                    <a:pt x="21600" y="21600"/>
+                  </a:lnTo>
+                  <a:close/>
+                </a:path>
+              </a:pathLst>
+            </a:custGeom>
+            <a:solidFill>
+              <a:srgbClr val="EE5150"/>
+            </a:solidFill>
+            <a:ln w="12700">
+              <a:miter lim="400000"/>
+            </a:ln>
+          </p:spPr>
+          <p:txBody>
+            <a:bodyPr lIns="71437" tIns="71437" rIns="71437" bIns="71437" anchor="ctr"/>
+            <a:lstStyle/>
+            <a:p>
+              <a:pPr>
+                <a:defRPr sz="3000" b="0">
+                  <a:solidFill>
+                    <a:srgbClr val="FFFFFF"/>
+                  </a:solidFill>
+                  <a:latin typeface="+mn-lt"/>
+                  <a:ea typeface="+mn-ea"/>
+                  <a:cs typeface="+mn-cs"/>
+                  <a:sym typeface="Helvetica Neue Medium"/>
+                </a:defRPr>
+              </a:pPr>
+              <a:endParaRPr/>
+            </a:p>
+          </p:txBody>
+        </p:sp>
+        <p:sp>
+          <p:nvSpPr>
+            <p:cNvPr id="159" name="Shape 159"/>
+            <p:cNvSpPr/>
+            <p:nvPr/>
+          </p:nvSpPr>
+          <p:spPr>
+            <a:xfrm>
+              <a:off x="504898" y="-1182738"/>
+              <a:ext cx="18065280" cy="3931013"/>
+            </a:xfrm>
+            <a:prstGeom prst="rect">
+              <a:avLst/>
+            </a:prstGeom>
+            <a:ln w="12700">
+              <a:miter lim="400000"/>
+            </a:ln>
+            <a:extLst>
+              <a:ext uri="{C572A759-6A51-4108-AA02-DFA0A04FC94B}">
+                <ma14:wrappingTextBoxFlag xmlns="" xmlns:ma14="http://schemas.microsoft.com/office/mac/drawingml/2011/main" val="1"/>
+              </a:ext>
+            </a:extLst>
+          </p:spPr>
+          <p:txBody>
+            <a:bodyPr wrap="square" lIns="0" tIns="0" rIns="0" bIns="0" anchor="ctr">
+              <a:spAutoFit/>
+            </a:bodyPr>
+            <a:lstStyle/>
+            <a:p>
+              <a:pPr lvl="3" algn="l" defTabSz="642937">
+                <a:lnSpc>
+                  <a:spcPts val="35600"/>
+                </a:lnSpc>
+                <a:defRPr sz="15000" b="0" spc="-300">
+                  <a:solidFill>
+                    <a:srgbClr val="FFFFFF"/>
+                  </a:solidFill>
+                  <a:latin typeface="Montserrat Bold"/>
+                  <a:ea typeface="Montserrat Bold"/>
+                  <a:cs typeface="Montserrat Bold"/>
+                  <a:sym typeface="Montserrat Bold"/>
+                </a:defRPr>
+              </a:pPr>
+              <a:r>
+                <a:rPr lang="en-AU" sz="14500" spc="-319" dirty="0"/>
+                <a:t>Strategy Choice</a:t>
+              </a:r>
+              <a:endParaRPr sz="14500" spc="-319" dirty="0"/>
+            </a:p>
+          </p:txBody>
+        </p:sp>
+        <p:sp>
+          <p:nvSpPr>
+            <p:cNvPr id="160" name="Shape 160"/>
+            <p:cNvSpPr/>
+            <p:nvPr/>
+          </p:nvSpPr>
+          <p:spPr>
+            <a:xfrm>
+              <a:off x="8240" y="3225128"/>
+              <a:ext cx="12314562" cy="2321716"/>
+            </a:xfrm>
+            <a:prstGeom prst="rect">
+              <a:avLst/>
+            </a:prstGeom>
+            <a:solidFill>
+              <a:srgbClr val="EE5150"/>
+            </a:solidFill>
+            <a:ln w="12700">
+              <a:miter lim="400000"/>
+            </a:ln>
+          </p:spPr>
+          <p:txBody>
+            <a:bodyPr lIns="0" tIns="0" rIns="0" bIns="0" anchor="ctr"/>
+            <a:lstStyle/>
+            <a:p>
+              <a:pPr lvl="3" algn="l" defTabSz="642937">
+                <a:lnSpc>
+                  <a:spcPts val="27900"/>
+                </a:lnSpc>
+                <a:defRPr sz="9600">
+                  <a:solidFill>
+                    <a:srgbClr val="FFFFFF"/>
+                  </a:solidFill>
+                  <a:latin typeface="Tw Cen MT"/>
+                  <a:ea typeface="Tw Cen MT"/>
+                  <a:cs typeface="Tw Cen MT"/>
+                  <a:sym typeface="Tw Cen MT"/>
+                </a:defRPr>
+              </a:pPr>
+              <a:endParaRPr/>
+            </a:p>
+          </p:txBody>
+        </p:sp>
+        <p:sp>
+          <p:nvSpPr>
+            <p:cNvPr id="161" name="Shape 161"/>
+            <p:cNvSpPr/>
+            <p:nvPr/>
+          </p:nvSpPr>
+          <p:spPr>
+            <a:xfrm rot="5400000">
+              <a:off x="11791615" y="3750288"/>
+              <a:ext cx="2321715" cy="1271395"/>
+            </a:xfrm>
+            <a:custGeom>
+              <a:avLst/>
+              <a:gdLst/>
+              <a:ahLst/>
+              <a:cxnLst>
+                <a:cxn ang="0">
+                  <a:pos x="wd2" y="hd2"/>
+                </a:cxn>
+                <a:cxn ang="5400000">
+                  <a:pos x="wd2" y="hd2"/>
+                </a:cxn>
+                <a:cxn ang="10800000">
+                  <a:pos x="wd2" y="hd2"/>
+                </a:cxn>
+                <a:cxn ang="16200000">
+                  <a:pos x="wd2" y="hd2"/>
+                </a:cxn>
+              </a:cxnLst>
+              <a:rect l="0" t="0" r="r" b="b"/>
+              <a:pathLst>
+                <a:path w="21600" h="21600" extrusionOk="0">
+                  <a:moveTo>
+                    <a:pt x="0" y="0"/>
+                  </a:moveTo>
+                  <a:lnTo>
+                    <a:pt x="0" y="21600"/>
+                  </a:lnTo>
+                  <a:lnTo>
+                    <a:pt x="21600" y="21600"/>
+                  </a:lnTo>
+                  <a:close/>
+                </a:path>
+              </a:pathLst>
+            </a:custGeom>
+            <a:solidFill>
+              <a:srgbClr val="EE5150"/>
+            </a:solidFill>
+            <a:ln w="12700">
+              <a:miter lim="400000"/>
+            </a:ln>
+          </p:spPr>
+          <p:txBody>
+            <a:bodyPr lIns="71437" tIns="71437" rIns="71437" bIns="71437" anchor="ctr"/>
+            <a:lstStyle/>
+            <a:p>
+              <a:pPr>
+                <a:defRPr sz="3000" b="0">
+                  <a:solidFill>
+                    <a:srgbClr val="FFFFFF"/>
+                  </a:solidFill>
+                  <a:latin typeface="+mn-lt"/>
+                  <a:ea typeface="+mn-ea"/>
+                  <a:cs typeface="+mn-cs"/>
+                  <a:sym typeface="Helvetica Neue Medium"/>
+                </a:defRPr>
+              </a:pPr>
+              <a:endParaRPr/>
+            </a:p>
+          </p:txBody>
+        </p:sp>
+        <p:sp>
+          <p:nvSpPr>
+            <p:cNvPr id="162" name="Shape 162"/>
+            <p:cNvSpPr/>
+            <p:nvPr/>
+          </p:nvSpPr>
+          <p:spPr>
+            <a:xfrm>
+              <a:off x="504899" y="1566572"/>
+              <a:ext cx="11321245" cy="3931013"/>
+            </a:xfrm>
+            <a:prstGeom prst="rect">
+              <a:avLst/>
+            </a:prstGeom>
+            <a:ln w="12700">
+              <a:miter lim="400000"/>
+            </a:ln>
+            <a:extLst>
+              <a:ext uri="{C572A759-6A51-4108-AA02-DFA0A04FC94B}">
+                <ma14:wrappingTextBoxFlag xmlns="" xmlns:ma14="http://schemas.microsoft.com/office/mac/drawingml/2011/main" val="1"/>
+              </a:ext>
+            </a:extLst>
+          </p:spPr>
+          <p:txBody>
+            <a:bodyPr lIns="0" tIns="0" rIns="0" bIns="0" anchor="ctr">
+              <a:spAutoFit/>
+            </a:bodyPr>
+            <a:lstStyle/>
+            <a:p>
+              <a:pPr lvl="3" algn="l" defTabSz="642937">
+                <a:lnSpc>
+                  <a:spcPts val="35600"/>
+                </a:lnSpc>
+                <a:defRPr sz="16000" b="0" spc="-319">
+                  <a:solidFill>
+                    <a:srgbClr val="FFFFFF"/>
+                  </a:solidFill>
+                  <a:latin typeface="Montserrat Bold"/>
+                  <a:ea typeface="Montserrat Bold"/>
+                  <a:cs typeface="Montserrat Bold"/>
+                  <a:sym typeface="Montserrat Bold"/>
+                </a:defRPr>
+              </a:pPr>
+              <a:r>
+                <a:rPr lang="en-AU" sz="14500" dirty="0"/>
+                <a:t>Canvas</a:t>
+              </a:r>
+              <a:endParaRPr sz="14500" dirty="0"/>
+            </a:p>
+          </p:txBody>
+        </p:sp>
+        <p:sp>
+          <p:nvSpPr>
+            <p:cNvPr id="163" name="Shape 163"/>
+            <p:cNvSpPr/>
+            <p:nvPr/>
+          </p:nvSpPr>
+          <p:spPr>
+            <a:xfrm>
+              <a:off x="9414264" y="9195086"/>
+              <a:ext cx="1038542" cy="1038541"/>
+            </a:xfrm>
+            <a:prstGeom prst="ellipse">
+              <a:avLst/>
+            </a:prstGeom>
+            <a:solidFill>
+              <a:srgbClr val="D6D6D6"/>
+            </a:solidFill>
+            <a:ln w="12700">
+              <a:miter lim="400000"/>
+            </a:ln>
+            <a:extLst>
+              <a:ext uri="{C572A759-6A51-4108-AA02-DFA0A04FC94B}">
+                <ma14:wrappingTextBoxFlag xmlns="" xmlns:ma14="http://schemas.microsoft.com/office/mac/drawingml/2011/main" val="1"/>
+              </a:ext>
+            </a:extLst>
+          </p:spPr>
+          <p:txBody>
+            <a:bodyPr lIns="71437" tIns="71437" rIns="71437" bIns="71437" anchor="ctr"/>
+            <a:lstStyle>
+              <a:lvl1pPr>
+                <a:defRPr sz="4000" b="0">
+                  <a:solidFill>
+                    <a:srgbClr val="FFFFFF"/>
+                  </a:solidFill>
+                  <a:latin typeface="Montserrat Bold"/>
+                  <a:ea typeface="Montserrat Bold"/>
+                  <a:cs typeface="Montserrat Bold"/>
+                  <a:sym typeface="Montserrat Bold"/>
+                </a:defRPr>
+              </a:lvl1pPr>
+            </a:lstStyle>
+            <a:p>
+              <a:r>
+                <a:t>3</a:t>
+              </a:r>
+            </a:p>
+          </p:txBody>
+        </p:sp>
+        <p:sp>
+          <p:nvSpPr>
+            <p:cNvPr id="165" name="Shape 165"/>
+            <p:cNvSpPr/>
+            <p:nvPr/>
+          </p:nvSpPr>
+          <p:spPr>
+            <a:xfrm>
+              <a:off x="13382290" y="9195086"/>
+              <a:ext cx="1038541" cy="1038541"/>
+            </a:xfrm>
+            <a:prstGeom prst="ellipse">
+              <a:avLst/>
+            </a:prstGeom>
+            <a:solidFill>
+              <a:srgbClr val="D6D6D6"/>
+            </a:solidFill>
+            <a:ln w="12700">
+              <a:miter lim="400000"/>
+            </a:ln>
+            <a:extLst>
+              <a:ext uri="{C572A759-6A51-4108-AA02-DFA0A04FC94B}">
+                <ma14:wrappingTextBoxFlag xmlns="" xmlns:ma14="http://schemas.microsoft.com/office/mac/drawingml/2011/main" val="1"/>
+              </a:ext>
+            </a:extLst>
+          </p:spPr>
+          <p:txBody>
+            <a:bodyPr lIns="71437" tIns="71437" rIns="71437" bIns="71437" anchor="ctr"/>
+            <a:lstStyle>
+              <a:lvl1pPr>
+                <a:defRPr sz="4000" b="0">
+                  <a:solidFill>
+                    <a:srgbClr val="FFFFFF"/>
+                  </a:solidFill>
+                  <a:latin typeface="Montserrat Bold"/>
+                  <a:ea typeface="Montserrat Bold"/>
+                  <a:cs typeface="Montserrat Bold"/>
+                  <a:sym typeface="Montserrat Bold"/>
+                </a:defRPr>
+              </a:lvl1pPr>
+            </a:lstStyle>
+            <a:p>
+              <a:r>
+                <a:t>4</a:t>
+              </a:r>
+            </a:p>
+          </p:txBody>
+        </p:sp>
+      </p:grpSp>
+      <p:sp>
+        <p:nvSpPr>
+          <p:cNvPr id="33" name="Shape 123">
+            <a:extLst>
+              <a:ext uri="{FF2B5EF4-FFF2-40B4-BE49-F238E27FC236}">
+                <a16:creationId xmlns:a16="http://schemas.microsoft.com/office/drawing/2014/main" id="{52BD29CD-243D-DD45-9C4E-4A7B0CB3C4D3}"/>
+              </a:ext>
+            </a:extLst>
+          </p:cNvPr>
+          <p:cNvSpPr/>
+          <p:nvPr/>
+        </p:nvSpPr>
+        <p:spPr>
+          <a:xfrm>
+            <a:off x="13591666" y="12659139"/>
+            <a:ext cx="11848761" cy="452046"/>
+          </a:xfrm>
+          <a:prstGeom prst="rect">
+            <a:avLst/>
+          </a:prstGeom>
+          <a:ln w="12700">
+            <a:miter lim="400000"/>
+          </a:ln>
+          <a:extLst>
+            <a:ext uri="{C572A759-6A51-4108-AA02-DFA0A04FC94B}">
+              <ma14:wrappingTextBoxFlag xmlns="" xmlns:ma14="http://schemas.microsoft.com/office/mac/drawingml/2011/main" val="1"/>
+            </a:ext>
+          </a:extLst>
+        </p:spPr>
+        <p:txBody>
+          <a:bodyPr wrap="square" lIns="71437" tIns="71437" rIns="71437" bIns="71437" anchor="ctr">
+            <a:spAutoFit/>
+          </a:bodyPr>
+          <a:lstStyle/>
+          <a:p>
+            <a:pPr algn="l">
+              <a:defRPr sz="2000" b="0">
+                <a:solidFill>
+                  <a:srgbClr val="919191"/>
+                </a:solidFill>
+                <a:latin typeface="Montserrat Medium"/>
+                <a:ea typeface="Montserrat Medium"/>
+                <a:cs typeface="Montserrat Medium"/>
+                <a:sym typeface="Montserrat Medium"/>
+              </a:defRPr>
+            </a:pPr>
+            <a:r>
+              <a:rPr lang="en-AU" dirty="0"/>
+              <a:t>Image Attribution: Ian Schneider, https://</a:t>
+            </a:r>
+            <a:r>
+              <a:rPr lang="en-AU" dirty="0" err="1"/>
+              <a:t>unsplash.com</a:t>
+            </a:r>
+            <a:r>
+              <a:rPr lang="en-AU" dirty="0"/>
+              <a:t>/photos/TamMbr4okv4</a:t>
+            </a:r>
+          </a:p>
+        </p:txBody>
+      </p:sp>
+    </p:spTree>
+  </p:cSld>
+  <p:clrMapOvr>
+    <a:masterClrMapping/>
+  </p:clrMapOvr>
+  <p:transition spd="med"/>
+</p:sld>
+</file>
+
+<file path=ppt/slides/slide4.xml><?xml version="1.0" encoding="utf-8"?>
 <p:sld xmlns:a="http://schemas.openxmlformats.org/drawingml/2006/main" xmlns:r="http://schemas.openxmlformats.org/officeDocument/2006/relationships" xmlns:p="http://schemas.openxmlformats.org/presentationml/2006/main">
   <p:cSld>
     <p:spTree>
@@ -4902,7 +6652,7 @@
         </p:nvSpPr>
         <p:spPr>
           <a:xfrm>
-            <a:off x="153602" y="10987347"/>
+            <a:off x="4121627" y="10987347"/>
             <a:ext cx="3687764" cy="2235201"/>
           </a:xfrm>
           <a:custGeom>
@@ -5772,7 +7522,7 @@
               <a:avLst/>
             </a:prstGeom>
             <a:solidFill>
-              <a:srgbClr val="EE5150"/>
+              <a:srgbClr val="D6D6D6"/>
             </a:solidFill>
             <a:ln w="12700">
               <a:miter lim="400000"/>
@@ -5868,7 +7618,7 @@
               <a:avLst/>
             </a:prstGeom>
             <a:solidFill>
-              <a:srgbClr val="D6D6D6"/>
+              <a:srgbClr val="DC5C56"/>
             </a:solidFill>
             <a:ln w="12700">
               <a:miter lim="400000"/>
@@ -6378,10 +8128,10 @@
       </p:grpSp>
       <p:sp>
         <p:nvSpPr>
-          <p:cNvPr id="34" name="Shape 123">
+          <p:cNvPr id="33" name="Shape 123">
             <a:extLst>
               <a:ext uri="{FF2B5EF4-FFF2-40B4-BE49-F238E27FC236}">
-                <a16:creationId xmlns:a16="http://schemas.microsoft.com/office/drawing/2014/main" id="{85F7F514-2352-7248-8940-F24041FC170F}"/>
+                <a16:creationId xmlns:a16="http://schemas.microsoft.com/office/drawing/2014/main" id="{0FF30B45-999C-5742-8969-DB4CB9B5C8A4}"/>
               </a:ext>
             </a:extLst>
           </p:cNvPr>
@@ -6390,8 +8140,8 @@
         </p:nvSpPr>
         <p:spPr>
           <a:xfrm>
-            <a:off x="17156067" y="12505104"/>
-            <a:ext cx="6708567" cy="759822"/>
+            <a:off x="13591666" y="12659139"/>
+            <a:ext cx="11848761" cy="452046"/>
           </a:xfrm>
           <a:prstGeom prst="rect">
             <a:avLst/>
@@ -6401,17 +8151,17 @@
           </a:ln>
           <a:extLst>
             <a:ext uri="{C572A759-6A51-4108-AA02-DFA0A04FC94B}">
-              <ma14:wrappingTextBoxFlag xmlns:ma14="http://schemas.microsoft.com/office/mac/drawingml/2011/main" xmlns="" val="1"/>
+              <ma14:wrappingTextBoxFlag xmlns="" xmlns:ma14="http://schemas.microsoft.com/office/mac/drawingml/2011/main" val="1"/>
             </a:ext>
           </a:extLst>
         </p:spPr>
         <p:txBody>
-          <a:bodyPr wrap="none" lIns="71437" tIns="71437" rIns="71437" bIns="71437" anchor="ctr">
+          <a:bodyPr wrap="square" lIns="71437" tIns="71437" rIns="71437" bIns="71437" anchor="ctr">
             <a:spAutoFit/>
           </a:bodyPr>
           <a:lstStyle/>
           <a:p>
-            <a:pPr algn="r">
+            <a:pPr algn="l">
               <a:defRPr sz="2000" b="0">
                 <a:solidFill>
                   <a:srgbClr val="919191"/>
@@ -6428,33 +8178,21 @@
             </a:r>
             <a:r>
               <a:rPr lang="en-AU" dirty="0" err="1"/>
-              <a:t>unsplash</a:t>
+              <a:t>unsplash.com</a:t>
             </a:r>
             <a:r>
               <a:rPr lang="en-AU" dirty="0"/>
-              <a:t>.</a:t>
-            </a:r>
-          </a:p>
-          <a:p>
-            <a:pPr algn="r">
-              <a:defRPr sz="2000" b="0">
-                <a:solidFill>
-                  <a:srgbClr val="919191"/>
-                </a:solidFill>
-                <a:latin typeface="Montserrat Medium"/>
-                <a:ea typeface="Montserrat Medium"/>
-                <a:cs typeface="Montserrat Medium"/>
-                <a:sym typeface="Montserrat Medium"/>
-              </a:defRPr>
-            </a:pPr>
-            <a:r>
-              <a:rPr lang="en-AU" dirty="0"/>
-              <a:t>com/photos/TamMbr4okv4</a:t>
+              <a:t>/photos/TamMbr4okv4</a:t>
             </a:r>
           </a:p>
         </p:txBody>
       </p:sp>
     </p:spTree>
+    <p:extLst>
+      <p:ext uri="{BB962C8B-B14F-4D97-AF65-F5344CB8AC3E}">
+        <p14:creationId xmlns:p14="http://schemas.microsoft.com/office/powerpoint/2010/main" val="1306055139"/>
+      </p:ext>
+    </p:extLst>
   </p:cSld>
   <p:clrMapOvr>
     <a:masterClrMapping/>
@@ -6463,7 +8201,7 @@
 </p:sld>
 </file>
 
-<file path=ppt/slides/slide4.xml><?xml version="1.0" encoding="utf-8"?>
+<file path=ppt/slides/slide5.xml><?xml version="1.0" encoding="utf-8"?>
 <p:sld xmlns:a="http://schemas.openxmlformats.org/drawingml/2006/main" xmlns:r="http://schemas.openxmlformats.org/officeDocument/2006/relationships" xmlns:p="http://schemas.openxmlformats.org/presentationml/2006/main">
   <p:cSld>
     <p:spTree>
@@ -6686,7 +8424,7 @@
         </p:nvSpPr>
         <p:spPr>
           <a:xfrm>
-            <a:off x="4121627" y="10987347"/>
+            <a:off x="8087926" y="10987347"/>
             <a:ext cx="3687764" cy="2235201"/>
           </a:xfrm>
           <a:custGeom>
@@ -7652,7 +9390,7 @@
               <a:avLst/>
             </a:prstGeom>
             <a:solidFill>
-              <a:srgbClr val="DC5C56"/>
+              <a:srgbClr val="D6D6D6"/>
             </a:solidFill>
             <a:ln w="12700">
               <a:miter lim="400000"/>
@@ -8078,7 +9816,7 @@
               <a:avLst/>
             </a:prstGeom>
             <a:solidFill>
-              <a:srgbClr val="D6D6D6"/>
+              <a:srgbClr val="DC5C56"/>
             </a:solidFill>
             <a:ln w="12700">
               <a:miter lim="400000"/>
@@ -8162,10 +9900,10 @@
       </p:grpSp>
       <p:sp>
         <p:nvSpPr>
-          <p:cNvPr id="34" name="Shape 123">
+          <p:cNvPr id="33" name="Shape 123">
             <a:extLst>
               <a:ext uri="{FF2B5EF4-FFF2-40B4-BE49-F238E27FC236}">
-                <a16:creationId xmlns:a16="http://schemas.microsoft.com/office/drawing/2014/main" id="{85F7F514-2352-7248-8940-F24041FC170F}"/>
+                <a16:creationId xmlns:a16="http://schemas.microsoft.com/office/drawing/2014/main" id="{6CAAE570-1DEF-0B42-9C27-9279A85E8B38}"/>
               </a:ext>
             </a:extLst>
           </p:cNvPr>
@@ -8174,8 +9912,8 @@
         </p:nvSpPr>
         <p:spPr>
           <a:xfrm>
-            <a:off x="17156067" y="12505104"/>
-            <a:ext cx="6708567" cy="759822"/>
+            <a:off x="13591666" y="12659139"/>
+            <a:ext cx="11848761" cy="452046"/>
           </a:xfrm>
           <a:prstGeom prst="rect">
             <a:avLst/>
@@ -8190,12 +9928,12 @@
           </a:extLst>
         </p:spPr>
         <p:txBody>
-          <a:bodyPr wrap="none" lIns="71437" tIns="71437" rIns="71437" bIns="71437" anchor="ctr">
+          <a:bodyPr wrap="square" lIns="71437" tIns="71437" rIns="71437" bIns="71437" anchor="ctr">
             <a:spAutoFit/>
           </a:bodyPr>
           <a:lstStyle/>
           <a:p>
-            <a:pPr algn="r">
+            <a:pPr algn="l">
               <a:defRPr sz="2000" b="0">
                 <a:solidFill>
                   <a:srgbClr val="919191"/>
@@ -8212,28 +9950,11 @@
             </a:r>
             <a:r>
               <a:rPr lang="en-AU" dirty="0" err="1"/>
-              <a:t>unsplash</a:t>
+              <a:t>unsplash.com</a:t>
             </a:r>
             <a:r>
               <a:rPr lang="en-AU" dirty="0"/>
-              <a:t>.</a:t>
-            </a:r>
-          </a:p>
-          <a:p>
-            <a:pPr algn="r">
-              <a:defRPr sz="2000" b="0">
-                <a:solidFill>
-                  <a:srgbClr val="919191"/>
-                </a:solidFill>
-                <a:latin typeface="Montserrat Medium"/>
-                <a:ea typeface="Montserrat Medium"/>
-                <a:cs typeface="Montserrat Medium"/>
-                <a:sym typeface="Montserrat Medium"/>
-              </a:defRPr>
-            </a:pPr>
-            <a:r>
-              <a:rPr lang="en-AU" dirty="0"/>
-              <a:t>com/photos/TamMbr4okv4</a:t>
+              <a:t>/photos/TamMbr4okv4</a:t>
             </a:r>
           </a:p>
         </p:txBody>
@@ -8241,7 +9962,7 @@
     </p:spTree>
     <p:extLst>
       <p:ext uri="{BB962C8B-B14F-4D97-AF65-F5344CB8AC3E}">
-        <p14:creationId xmlns:p14="http://schemas.microsoft.com/office/powerpoint/2010/main" val="1306055139"/>
+        <p14:creationId xmlns:p14="http://schemas.microsoft.com/office/powerpoint/2010/main" val="3766204187"/>
       </p:ext>
     </p:extLst>
   </p:cSld>
@@ -8252,7 +9973,7 @@
 </p:sld>
 </file>
 
-<file path=ppt/slides/slide5.xml><?xml version="1.0" encoding="utf-8"?>
+<file path=ppt/slides/slide6.xml><?xml version="1.0" encoding="utf-8"?>
 <p:sld xmlns:a="http://schemas.openxmlformats.org/drawingml/2006/main" xmlns:r="http://schemas.openxmlformats.org/officeDocument/2006/relationships" xmlns:p="http://schemas.openxmlformats.org/presentationml/2006/main">
   <p:cSld>
     <p:spTree>
@@ -8269,6 +9990,67 @@
           <a:chExt cx="0" cy="0"/>
         </a:xfrm>
       </p:grpSpPr>
+      <p:sp>
+        <p:nvSpPr>
+          <p:cNvPr id="33" name="Shape 123">
+            <a:extLst>
+              <a:ext uri="{FF2B5EF4-FFF2-40B4-BE49-F238E27FC236}">
+                <a16:creationId xmlns:a16="http://schemas.microsoft.com/office/drawing/2014/main" id="{20C477C4-6FCF-2842-8B1C-2958EAA7A594}"/>
+              </a:ext>
+            </a:extLst>
+          </p:cNvPr>
+          <p:cNvSpPr/>
+          <p:nvPr/>
+        </p:nvSpPr>
+        <p:spPr>
+          <a:xfrm>
+            <a:off x="13591666" y="12659139"/>
+            <a:ext cx="11848761" cy="452046"/>
+          </a:xfrm>
+          <a:prstGeom prst="rect">
+            <a:avLst/>
+          </a:prstGeom>
+          <a:ln w="12700">
+            <a:miter lim="400000"/>
+          </a:ln>
+          <a:extLst>
+            <a:ext uri="{C572A759-6A51-4108-AA02-DFA0A04FC94B}">
+              <ma14:wrappingTextBoxFlag xmlns="" xmlns:ma14="http://schemas.microsoft.com/office/mac/drawingml/2011/main" val="1"/>
+            </a:ext>
+          </a:extLst>
+        </p:spPr>
+        <p:txBody>
+          <a:bodyPr wrap="square" lIns="71437" tIns="71437" rIns="71437" bIns="71437" anchor="ctr">
+            <a:spAutoFit/>
+          </a:bodyPr>
+          <a:lstStyle/>
+          <a:p>
+            <a:pPr algn="l">
+              <a:defRPr sz="2000" b="0">
+                <a:solidFill>
+                  <a:srgbClr val="919191"/>
+                </a:solidFill>
+                <a:latin typeface="Montserrat Medium"/>
+                <a:ea typeface="Montserrat Medium"/>
+                <a:cs typeface="Montserrat Medium"/>
+                <a:sym typeface="Montserrat Medium"/>
+              </a:defRPr>
+            </a:pPr>
+            <a:r>
+              <a:rPr lang="en-AU" dirty="0"/>
+              <a:t>Image Attribution: Ian Schneider, https://</a:t>
+            </a:r>
+            <a:r>
+              <a:rPr lang="en-AU" dirty="0" err="1"/>
+              <a:t>unsplash.com</a:t>
+            </a:r>
+            <a:r>
+              <a:rPr lang="en-AU" dirty="0"/>
+              <a:t>/photos/TamMbr4okv4</a:t>
+            </a:r>
+          </a:p>
+        </p:txBody>
+      </p:sp>
       <p:pic>
         <p:nvPicPr>
           <p:cNvPr id="3" name="Picture 2">
@@ -8475,7 +10257,7 @@
         </p:nvSpPr>
         <p:spPr>
           <a:xfrm>
-            <a:off x="8087926" y="10987347"/>
+            <a:off x="12063211" y="10987347"/>
             <a:ext cx="3687764" cy="2235201"/>
           </a:xfrm>
           <a:custGeom>
@@ -9867,7 +11649,7 @@
               <a:avLst/>
             </a:prstGeom>
             <a:solidFill>
-              <a:srgbClr val="DC5C56"/>
+              <a:srgbClr val="D6D6D6"/>
             </a:solidFill>
             <a:ln w="12700">
               <a:miter lim="400000"/>
@@ -9949,88 +11731,10 @@
           </p:txBody>
         </p:sp>
       </p:grpSp>
-      <p:sp>
-        <p:nvSpPr>
-          <p:cNvPr id="34" name="Shape 123">
-            <a:extLst>
-              <a:ext uri="{FF2B5EF4-FFF2-40B4-BE49-F238E27FC236}">
-                <a16:creationId xmlns:a16="http://schemas.microsoft.com/office/drawing/2014/main" id="{85F7F514-2352-7248-8940-F24041FC170F}"/>
-              </a:ext>
-            </a:extLst>
-          </p:cNvPr>
-          <p:cNvSpPr/>
-          <p:nvPr/>
-        </p:nvSpPr>
-        <p:spPr>
-          <a:xfrm>
-            <a:off x="17156067" y="12505104"/>
-            <a:ext cx="6708567" cy="759822"/>
-          </a:xfrm>
-          <a:prstGeom prst="rect">
-            <a:avLst/>
-          </a:prstGeom>
-          <a:ln w="12700">
-            <a:miter lim="400000"/>
-          </a:ln>
-          <a:extLst>
-            <a:ext uri="{C572A759-6A51-4108-AA02-DFA0A04FC94B}">
-              <ma14:wrappingTextBoxFlag xmlns:ma14="http://schemas.microsoft.com/office/mac/drawingml/2011/main" xmlns="" val="1"/>
-            </a:ext>
-          </a:extLst>
-        </p:spPr>
-        <p:txBody>
-          <a:bodyPr wrap="none" lIns="71437" tIns="71437" rIns="71437" bIns="71437" anchor="ctr">
-            <a:spAutoFit/>
-          </a:bodyPr>
-          <a:lstStyle/>
-          <a:p>
-            <a:pPr algn="r">
-              <a:defRPr sz="2000" b="0">
-                <a:solidFill>
-                  <a:srgbClr val="919191"/>
-                </a:solidFill>
-                <a:latin typeface="Montserrat Medium"/>
-                <a:ea typeface="Montserrat Medium"/>
-                <a:cs typeface="Montserrat Medium"/>
-                <a:sym typeface="Montserrat Medium"/>
-              </a:defRPr>
-            </a:pPr>
-            <a:r>
-              <a:rPr lang="en-AU" dirty="0"/>
-              <a:t>Image Attribution: Ian Schneider, https://</a:t>
-            </a:r>
-            <a:r>
-              <a:rPr lang="en-AU" dirty="0" err="1"/>
-              <a:t>unsplash</a:t>
-            </a:r>
-            <a:r>
-              <a:rPr lang="en-AU" dirty="0"/>
-              <a:t>.</a:t>
-            </a:r>
-          </a:p>
-          <a:p>
-            <a:pPr algn="r">
-              <a:defRPr sz="2000" b="0">
-                <a:solidFill>
-                  <a:srgbClr val="919191"/>
-                </a:solidFill>
-                <a:latin typeface="Montserrat Medium"/>
-                <a:ea typeface="Montserrat Medium"/>
-                <a:cs typeface="Montserrat Medium"/>
-                <a:sym typeface="Montserrat Medium"/>
-              </a:defRPr>
-            </a:pPr>
-            <a:r>
-              <a:rPr lang="en-AU" dirty="0"/>
-              <a:t>com/photos/TamMbr4okv4</a:t>
-            </a:r>
-          </a:p>
-        </p:txBody>
-      </p:sp>
     </p:spTree>
     <p:extLst>
       <p:ext uri="{BB962C8B-B14F-4D97-AF65-F5344CB8AC3E}">
-        <p14:creationId xmlns:p14="http://schemas.microsoft.com/office/powerpoint/2010/main" val="3766204187"/>
+        <p14:creationId xmlns:p14="http://schemas.microsoft.com/office/powerpoint/2010/main" val="256295453"/>
       </p:ext>
     </p:extLst>
   </p:cSld>
@@ -10041,7 +11745,7 @@
 </p:sld>
 </file>
 
-<file path=ppt/slides/slide6.xml><?xml version="1.0" encoding="utf-8"?>
+<file path=ppt/slides/slide7.xml><?xml version="1.0" encoding="utf-8"?>
 <p:sld xmlns:a="http://schemas.openxmlformats.org/drawingml/2006/main" xmlns:r="http://schemas.openxmlformats.org/officeDocument/2006/relationships" xmlns:p="http://schemas.openxmlformats.org/presentationml/2006/main">
   <p:cSld>
     <p:spTree>
@@ -10058,6 +11762,67 @@
           <a:chExt cx="0" cy="0"/>
         </a:xfrm>
       </p:grpSpPr>
+      <p:sp>
+        <p:nvSpPr>
+          <p:cNvPr id="33" name="Shape 123">
+            <a:extLst>
+              <a:ext uri="{FF2B5EF4-FFF2-40B4-BE49-F238E27FC236}">
+                <a16:creationId xmlns:a16="http://schemas.microsoft.com/office/drawing/2014/main" id="{061DC091-89C7-8942-BA9F-DC9D8568FC94}"/>
+              </a:ext>
+            </a:extLst>
+          </p:cNvPr>
+          <p:cNvSpPr/>
+          <p:nvPr/>
+        </p:nvSpPr>
+        <p:spPr>
+          <a:xfrm>
+            <a:off x="13591666" y="12659139"/>
+            <a:ext cx="11848761" cy="452046"/>
+          </a:xfrm>
+          <a:prstGeom prst="rect">
+            <a:avLst/>
+          </a:prstGeom>
+          <a:ln w="12700">
+            <a:miter lim="400000"/>
+          </a:ln>
+          <a:extLst>
+            <a:ext uri="{C572A759-6A51-4108-AA02-DFA0A04FC94B}">
+              <ma14:wrappingTextBoxFlag xmlns="" xmlns:ma14="http://schemas.microsoft.com/office/mac/drawingml/2011/main" val="1"/>
+            </a:ext>
+          </a:extLst>
+        </p:spPr>
+        <p:txBody>
+          <a:bodyPr wrap="square" lIns="71437" tIns="71437" rIns="71437" bIns="71437" anchor="ctr">
+            <a:spAutoFit/>
+          </a:bodyPr>
+          <a:lstStyle/>
+          <a:p>
+            <a:pPr algn="l">
+              <a:defRPr sz="2000" b="0">
+                <a:solidFill>
+                  <a:srgbClr val="919191"/>
+                </a:solidFill>
+                <a:latin typeface="Montserrat Medium"/>
+                <a:ea typeface="Montserrat Medium"/>
+                <a:cs typeface="Montserrat Medium"/>
+                <a:sym typeface="Montserrat Medium"/>
+              </a:defRPr>
+            </a:pPr>
+            <a:r>
+              <a:rPr lang="en-AU" dirty="0"/>
+              <a:t>Image Attribution: Ian Schneider, https://</a:t>
+            </a:r>
+            <a:r>
+              <a:rPr lang="en-AU" dirty="0" err="1"/>
+              <a:t>unsplash.com</a:t>
+            </a:r>
+            <a:r>
+              <a:rPr lang="en-AU" dirty="0"/>
+              <a:t>/photos/TamMbr4okv4</a:t>
+            </a:r>
+          </a:p>
+        </p:txBody>
+      </p:sp>
       <p:pic>
         <p:nvPicPr>
           <p:cNvPr id="3" name="Picture 2">
@@ -10264,7 +12029,7 @@
         </p:nvSpPr>
         <p:spPr>
           <a:xfrm>
-            <a:off x="12063211" y="10987347"/>
+            <a:off x="15950710" y="10987347"/>
             <a:ext cx="3687764" cy="2235201"/>
           </a:xfrm>
           <a:custGeom>
@@ -11278,7 +13043,7 @@
               <a:avLst/>
             </a:prstGeom>
             <a:solidFill>
-              <a:srgbClr val="D6D6D6"/>
+              <a:srgbClr val="DC5C56"/>
             </a:solidFill>
             <a:ln w="12700">
               <a:miter lim="400000"/>
@@ -11738,88 +13503,10 @@
           </p:txBody>
         </p:sp>
       </p:grpSp>
-      <p:sp>
-        <p:nvSpPr>
-          <p:cNvPr id="34" name="Shape 123">
-            <a:extLst>
-              <a:ext uri="{FF2B5EF4-FFF2-40B4-BE49-F238E27FC236}">
-                <a16:creationId xmlns:a16="http://schemas.microsoft.com/office/drawing/2014/main" id="{85F7F514-2352-7248-8940-F24041FC170F}"/>
-              </a:ext>
-            </a:extLst>
-          </p:cNvPr>
-          <p:cNvSpPr/>
-          <p:nvPr/>
-        </p:nvSpPr>
-        <p:spPr>
-          <a:xfrm>
-            <a:off x="17156067" y="12505104"/>
-            <a:ext cx="6708567" cy="759822"/>
-          </a:xfrm>
-          <a:prstGeom prst="rect">
-            <a:avLst/>
-          </a:prstGeom>
-          <a:ln w="12700">
-            <a:miter lim="400000"/>
-          </a:ln>
-          <a:extLst>
-            <a:ext uri="{C572A759-6A51-4108-AA02-DFA0A04FC94B}">
-              <ma14:wrappingTextBoxFlag xmlns="" xmlns:ma14="http://schemas.microsoft.com/office/mac/drawingml/2011/main" val="1"/>
-            </a:ext>
-          </a:extLst>
-        </p:spPr>
-        <p:txBody>
-          <a:bodyPr wrap="none" lIns="71437" tIns="71437" rIns="71437" bIns="71437" anchor="ctr">
-            <a:spAutoFit/>
-          </a:bodyPr>
-          <a:lstStyle/>
-          <a:p>
-            <a:pPr algn="r">
-              <a:defRPr sz="2000" b="0">
-                <a:solidFill>
-                  <a:srgbClr val="919191"/>
-                </a:solidFill>
-                <a:latin typeface="Montserrat Medium"/>
-                <a:ea typeface="Montserrat Medium"/>
-                <a:cs typeface="Montserrat Medium"/>
-                <a:sym typeface="Montserrat Medium"/>
-              </a:defRPr>
-            </a:pPr>
-            <a:r>
-              <a:rPr lang="en-AU" dirty="0"/>
-              <a:t>Image Attribution: Ian Schneider, https://</a:t>
-            </a:r>
-            <a:r>
-              <a:rPr lang="en-AU" dirty="0" err="1"/>
-              <a:t>unsplash</a:t>
-            </a:r>
-            <a:r>
-              <a:rPr lang="en-AU" dirty="0"/>
-              <a:t>.</a:t>
-            </a:r>
-          </a:p>
-          <a:p>
-            <a:pPr algn="r">
-              <a:defRPr sz="2000" b="0">
-                <a:solidFill>
-                  <a:srgbClr val="919191"/>
-                </a:solidFill>
-                <a:latin typeface="Montserrat Medium"/>
-                <a:ea typeface="Montserrat Medium"/>
-                <a:cs typeface="Montserrat Medium"/>
-                <a:sym typeface="Montserrat Medium"/>
-              </a:defRPr>
-            </a:pPr>
-            <a:r>
-              <a:rPr lang="en-AU" dirty="0"/>
-              <a:t>com/photos/TamMbr4okv4</a:t>
-            </a:r>
-          </a:p>
-        </p:txBody>
-      </p:sp>
     </p:spTree>
     <p:extLst>
       <p:ext uri="{BB962C8B-B14F-4D97-AF65-F5344CB8AC3E}">
-        <p14:creationId xmlns:p14="http://schemas.microsoft.com/office/powerpoint/2010/main" val="256295453"/>
+        <p14:creationId xmlns:p14="http://schemas.microsoft.com/office/powerpoint/2010/main" val="1941022562"/>
       </p:ext>
     </p:extLst>
   </p:cSld>
@@ -11830,7 +13517,7 @@
 </p:sld>
 </file>
 
-<file path=ppt/slides/slide7.xml><?xml version="1.0" encoding="utf-8"?>
+<file path=ppt/slides/slide8.xml><?xml version="1.0" encoding="utf-8"?>
 <p:sld xmlns:a="http://schemas.openxmlformats.org/drawingml/2006/main" xmlns:r="http://schemas.openxmlformats.org/officeDocument/2006/relationships" xmlns:p="http://schemas.openxmlformats.org/presentationml/2006/main">
   <p:cSld>
     <p:spTree>
@@ -11847,6 +13534,67 @@
           <a:chExt cx="0" cy="0"/>
         </a:xfrm>
       </p:grpSpPr>
+      <p:sp>
+        <p:nvSpPr>
+          <p:cNvPr id="33" name="Shape 123">
+            <a:extLst>
+              <a:ext uri="{FF2B5EF4-FFF2-40B4-BE49-F238E27FC236}">
+                <a16:creationId xmlns:a16="http://schemas.microsoft.com/office/drawing/2014/main" id="{16DC0F36-342E-4946-A003-6F917FA599D3}"/>
+              </a:ext>
+            </a:extLst>
+          </p:cNvPr>
+          <p:cNvSpPr/>
+          <p:nvPr/>
+        </p:nvSpPr>
+        <p:spPr>
+          <a:xfrm>
+            <a:off x="13591666" y="12659139"/>
+            <a:ext cx="11848761" cy="452046"/>
+          </a:xfrm>
+          <a:prstGeom prst="rect">
+            <a:avLst/>
+          </a:prstGeom>
+          <a:ln w="12700">
+            <a:miter lim="400000"/>
+          </a:ln>
+          <a:extLst>
+            <a:ext uri="{C572A759-6A51-4108-AA02-DFA0A04FC94B}">
+              <ma14:wrappingTextBoxFlag xmlns="" xmlns:ma14="http://schemas.microsoft.com/office/mac/drawingml/2011/main" val="1"/>
+            </a:ext>
+          </a:extLst>
+        </p:spPr>
+        <p:txBody>
+          <a:bodyPr wrap="square" lIns="71437" tIns="71437" rIns="71437" bIns="71437" anchor="ctr">
+            <a:spAutoFit/>
+          </a:bodyPr>
+          <a:lstStyle/>
+          <a:p>
+            <a:pPr algn="l">
+              <a:defRPr sz="2000" b="0">
+                <a:solidFill>
+                  <a:srgbClr val="919191"/>
+                </a:solidFill>
+                <a:latin typeface="Montserrat Medium"/>
+                <a:ea typeface="Montserrat Medium"/>
+                <a:cs typeface="Montserrat Medium"/>
+                <a:sym typeface="Montserrat Medium"/>
+              </a:defRPr>
+            </a:pPr>
+            <a:r>
+              <a:rPr lang="en-AU" dirty="0"/>
+              <a:t>Image Attribution: Ian Schneider, https://</a:t>
+            </a:r>
+            <a:r>
+              <a:rPr lang="en-AU" dirty="0" err="1"/>
+              <a:t>unsplash.com</a:t>
+            </a:r>
+            <a:r>
+              <a:rPr lang="en-AU" dirty="0"/>
+              <a:t>/photos/TamMbr4okv4</a:t>
+            </a:r>
+          </a:p>
+        </p:txBody>
+      </p:sp>
       <p:pic>
         <p:nvPicPr>
           <p:cNvPr id="3" name="Picture 2">
@@ -12053,7 +13801,7 @@
         </p:nvSpPr>
         <p:spPr>
           <a:xfrm>
-            <a:off x="15950710" y="10987347"/>
+            <a:off x="19993728" y="10987347"/>
             <a:ext cx="3687764" cy="2235201"/>
           </a:xfrm>
           <a:custGeom>
@@ -12971,7 +14719,7 @@
               <a:avLst/>
             </a:prstGeom>
             <a:solidFill>
-              <a:srgbClr val="D6D6D6"/>
+              <a:srgbClr val="DC5C56"/>
             </a:solidFill>
             <a:ln w="12700">
               <a:miter lim="400000"/>
@@ -13067,7 +14815,7 @@
               <a:avLst/>
             </a:prstGeom>
             <a:solidFill>
-              <a:srgbClr val="DC5C56"/>
+              <a:srgbClr val="D6D6D6"/>
             </a:solidFill>
             <a:ln w="12700">
               <a:miter lim="400000"/>
@@ -13501,1873 +15249,6 @@
             <a:extLst>
               <a:ext uri="{C572A759-6A51-4108-AA02-DFA0A04FC94B}">
                 <ma14:wrappingTextBoxFlag xmlns:ma14="http://schemas.microsoft.com/office/mac/drawingml/2011/main" xmlns="" val="1"/>
-              </a:ext>
-            </a:extLst>
-          </p:spPr>
-          <p:txBody>
-            <a:bodyPr lIns="71437" tIns="71437" rIns="71437" bIns="71437" anchor="ctr"/>
-            <a:lstStyle>
-              <a:lvl1pPr>
-                <a:defRPr sz="4000" b="0">
-                  <a:solidFill>
-                    <a:srgbClr val="FFFFFF"/>
-                  </a:solidFill>
-                  <a:latin typeface="Montserrat Bold"/>
-                  <a:ea typeface="Montserrat Bold"/>
-                  <a:cs typeface="Montserrat Bold"/>
-                  <a:sym typeface="Montserrat Bold"/>
-                </a:defRPr>
-              </a:lvl1pPr>
-            </a:lstStyle>
-            <a:p>
-              <a:r>
-                <a:t>4</a:t>
-              </a:r>
-            </a:p>
-          </p:txBody>
-        </p:sp>
-      </p:grpSp>
-      <p:sp>
-        <p:nvSpPr>
-          <p:cNvPr id="34" name="Shape 123">
-            <a:extLst>
-              <a:ext uri="{FF2B5EF4-FFF2-40B4-BE49-F238E27FC236}">
-                <a16:creationId xmlns:a16="http://schemas.microsoft.com/office/drawing/2014/main" id="{85F7F514-2352-7248-8940-F24041FC170F}"/>
-              </a:ext>
-            </a:extLst>
-          </p:cNvPr>
-          <p:cNvSpPr/>
-          <p:nvPr/>
-        </p:nvSpPr>
-        <p:spPr>
-          <a:xfrm>
-            <a:off x="17156067" y="12505104"/>
-            <a:ext cx="6708567" cy="759822"/>
-          </a:xfrm>
-          <a:prstGeom prst="rect">
-            <a:avLst/>
-          </a:prstGeom>
-          <a:ln w="12700">
-            <a:miter lim="400000"/>
-          </a:ln>
-          <a:extLst>
-            <a:ext uri="{C572A759-6A51-4108-AA02-DFA0A04FC94B}">
-              <ma14:wrappingTextBoxFlag xmlns:ma14="http://schemas.microsoft.com/office/mac/drawingml/2011/main" xmlns="" val="1"/>
-            </a:ext>
-          </a:extLst>
-        </p:spPr>
-        <p:txBody>
-          <a:bodyPr wrap="none" lIns="71437" tIns="71437" rIns="71437" bIns="71437" anchor="ctr">
-            <a:spAutoFit/>
-          </a:bodyPr>
-          <a:lstStyle/>
-          <a:p>
-            <a:pPr algn="r">
-              <a:defRPr sz="2000" b="0">
-                <a:solidFill>
-                  <a:srgbClr val="919191"/>
-                </a:solidFill>
-                <a:latin typeface="Montserrat Medium"/>
-                <a:ea typeface="Montserrat Medium"/>
-                <a:cs typeface="Montserrat Medium"/>
-                <a:sym typeface="Montserrat Medium"/>
-              </a:defRPr>
-            </a:pPr>
-            <a:r>
-              <a:rPr lang="en-AU" dirty="0"/>
-              <a:t>Image Attribution: Ian Schneider, https://</a:t>
-            </a:r>
-            <a:r>
-              <a:rPr lang="en-AU" dirty="0" err="1"/>
-              <a:t>unsplash</a:t>
-            </a:r>
-            <a:r>
-              <a:rPr lang="en-AU" dirty="0"/>
-              <a:t>.</a:t>
-            </a:r>
-          </a:p>
-          <a:p>
-            <a:pPr algn="r">
-              <a:defRPr sz="2000" b="0">
-                <a:solidFill>
-                  <a:srgbClr val="919191"/>
-                </a:solidFill>
-                <a:latin typeface="Montserrat Medium"/>
-                <a:ea typeface="Montserrat Medium"/>
-                <a:cs typeface="Montserrat Medium"/>
-                <a:sym typeface="Montserrat Medium"/>
-              </a:defRPr>
-            </a:pPr>
-            <a:r>
-              <a:rPr lang="en-AU" dirty="0"/>
-              <a:t>com/photos/TamMbr4okv4</a:t>
-            </a:r>
-          </a:p>
-        </p:txBody>
-      </p:sp>
-    </p:spTree>
-    <p:extLst>
-      <p:ext uri="{BB962C8B-B14F-4D97-AF65-F5344CB8AC3E}">
-        <p14:creationId xmlns:p14="http://schemas.microsoft.com/office/powerpoint/2010/main" val="1941022562"/>
-      </p:ext>
-    </p:extLst>
-  </p:cSld>
-  <p:clrMapOvr>
-    <a:masterClrMapping/>
-  </p:clrMapOvr>
-  <p:transition spd="med"/>
-</p:sld>
-</file>
-
-<file path=ppt/slides/slide8.xml><?xml version="1.0" encoding="utf-8"?>
-<p:sld xmlns:a="http://schemas.openxmlformats.org/drawingml/2006/main" xmlns:r="http://schemas.openxmlformats.org/officeDocument/2006/relationships" xmlns:p="http://schemas.openxmlformats.org/presentationml/2006/main">
-  <p:cSld>
-    <p:spTree>
-      <p:nvGrpSpPr>
-        <p:cNvPr id="1" name=""/>
-        <p:cNvGrpSpPr/>
-        <p:nvPr/>
-      </p:nvGrpSpPr>
-      <p:grpSpPr>
-        <a:xfrm>
-          <a:off x="0" y="0"/>
-          <a:ext cx="0" cy="0"/>
-          <a:chOff x="0" y="0"/>
-          <a:chExt cx="0" cy="0"/>
-        </a:xfrm>
-      </p:grpSpPr>
-      <p:sp>
-        <p:nvSpPr>
-          <p:cNvPr id="34" name="Shape 123">
-            <a:extLst>
-              <a:ext uri="{FF2B5EF4-FFF2-40B4-BE49-F238E27FC236}">
-                <a16:creationId xmlns:a16="http://schemas.microsoft.com/office/drawing/2014/main" id="{85F7F514-2352-7248-8940-F24041FC170F}"/>
-              </a:ext>
-            </a:extLst>
-          </p:cNvPr>
-          <p:cNvSpPr/>
-          <p:nvPr/>
-        </p:nvSpPr>
-        <p:spPr>
-          <a:xfrm>
-            <a:off x="17156067" y="12505104"/>
-            <a:ext cx="6708567" cy="759822"/>
-          </a:xfrm>
-          <a:prstGeom prst="rect">
-            <a:avLst/>
-          </a:prstGeom>
-          <a:ln w="12700">
-            <a:miter lim="400000"/>
-          </a:ln>
-          <a:extLst>
-            <a:ext uri="{C572A759-6A51-4108-AA02-DFA0A04FC94B}">
-              <ma14:wrappingTextBoxFlag xmlns="" xmlns:ma14="http://schemas.microsoft.com/office/mac/drawingml/2011/main" val="1"/>
-            </a:ext>
-          </a:extLst>
-        </p:spPr>
-        <p:txBody>
-          <a:bodyPr wrap="none" lIns="71437" tIns="71437" rIns="71437" bIns="71437" anchor="ctr">
-            <a:spAutoFit/>
-          </a:bodyPr>
-          <a:lstStyle/>
-          <a:p>
-            <a:pPr algn="r">
-              <a:defRPr sz="2000" b="0">
-                <a:solidFill>
-                  <a:srgbClr val="919191"/>
-                </a:solidFill>
-                <a:latin typeface="Montserrat Medium"/>
-                <a:ea typeface="Montserrat Medium"/>
-                <a:cs typeface="Montserrat Medium"/>
-                <a:sym typeface="Montserrat Medium"/>
-              </a:defRPr>
-            </a:pPr>
-            <a:r>
-              <a:rPr lang="en-AU" dirty="0"/>
-              <a:t>Image Attribution: Ian Schneider, https://</a:t>
-            </a:r>
-            <a:r>
-              <a:rPr lang="en-AU" dirty="0" err="1"/>
-              <a:t>unsplash</a:t>
-            </a:r>
-            <a:r>
-              <a:rPr lang="en-AU" dirty="0"/>
-              <a:t>.</a:t>
-            </a:r>
-          </a:p>
-          <a:p>
-            <a:pPr algn="r">
-              <a:defRPr sz="2000" b="0">
-                <a:solidFill>
-                  <a:srgbClr val="919191"/>
-                </a:solidFill>
-                <a:latin typeface="Montserrat Medium"/>
-                <a:ea typeface="Montserrat Medium"/>
-                <a:cs typeface="Montserrat Medium"/>
-                <a:sym typeface="Montserrat Medium"/>
-              </a:defRPr>
-            </a:pPr>
-            <a:r>
-              <a:rPr lang="en-AU" dirty="0"/>
-              <a:t>com/photos/TamMbr4okv4</a:t>
-            </a:r>
-          </a:p>
-        </p:txBody>
-      </p:sp>
-      <p:pic>
-        <p:nvPicPr>
-          <p:cNvPr id="3" name="Picture 2">
-            <a:extLst>
-              <a:ext uri="{FF2B5EF4-FFF2-40B4-BE49-F238E27FC236}">
-                <a16:creationId xmlns:a16="http://schemas.microsoft.com/office/drawing/2014/main" id="{C1789EC0-5640-BE45-B2C6-DBD19E41134B}"/>
-              </a:ext>
-            </a:extLst>
-          </p:cNvPr>
-          <p:cNvPicPr>
-            <a:picLocks noChangeAspect="1"/>
-          </p:cNvPicPr>
-          <p:nvPr/>
-        </p:nvPicPr>
-        <p:blipFill>
-          <a:blip r:embed="rId2"/>
-          <a:stretch>
-            <a:fillRect/>
-          </a:stretch>
-        </p:blipFill>
-        <p:spPr>
-          <a:xfrm>
-            <a:off x="-38997" y="-11961"/>
-            <a:ext cx="19469100" cy="5905500"/>
-          </a:xfrm>
-          <a:prstGeom prst="rect">
-            <a:avLst/>
-          </a:prstGeom>
-        </p:spPr>
-      </p:pic>
-      <p:sp>
-        <p:nvSpPr>
-          <p:cNvPr id="152" name="Shape 152"/>
-          <p:cNvSpPr/>
-          <p:nvPr/>
-        </p:nvSpPr>
-        <p:spPr>
-          <a:xfrm>
-            <a:off x="540163" y="10442288"/>
-            <a:ext cx="2914642" cy="638176"/>
-          </a:xfrm>
-          <a:prstGeom prst="rect">
-            <a:avLst/>
-          </a:prstGeom>
-          <a:ln w="12700">
-            <a:miter lim="400000"/>
-          </a:ln>
-          <a:extLst>
-            <a:ext uri="{C572A759-6A51-4108-AA02-DFA0A04FC94B}">
-              <ma14:wrappingTextBoxFlag xmlns="" xmlns:ma14="http://schemas.microsoft.com/office/mac/drawingml/2011/main" val="1"/>
-            </a:ext>
-          </a:extLst>
-        </p:spPr>
-        <p:txBody>
-          <a:bodyPr lIns="71437" tIns="71437" rIns="71437" bIns="71437">
-            <a:spAutoFit/>
-          </a:bodyPr>
-          <a:lstStyle>
-            <a:lvl1pPr>
-              <a:defRPr b="0">
-                <a:solidFill>
-                  <a:srgbClr val="FF2830"/>
-                </a:solidFill>
-                <a:latin typeface="Montserrat Medium"/>
-                <a:ea typeface="Montserrat Medium"/>
-                <a:cs typeface="Montserrat Medium"/>
-                <a:sym typeface="Montserrat Medium"/>
-              </a:defRPr>
-            </a:lvl1pPr>
-          </a:lstStyle>
-          <a:p>
-            <a:r>
-              <a:rPr dirty="0"/>
-              <a:t>[</a:t>
-            </a:r>
-            <a:r>
-              <a:rPr lang="en-AU" dirty="0"/>
-              <a:t>1 week</a:t>
-            </a:r>
-            <a:r>
-              <a:rPr dirty="0"/>
-              <a:t>]</a:t>
-            </a:r>
-          </a:p>
-        </p:txBody>
-      </p:sp>
-      <p:sp>
-        <p:nvSpPr>
-          <p:cNvPr id="153" name="Shape 153"/>
-          <p:cNvSpPr/>
-          <p:nvPr/>
-        </p:nvSpPr>
-        <p:spPr>
-          <a:xfrm>
-            <a:off x="4913184" y="10442288"/>
-            <a:ext cx="2104652" cy="638176"/>
-          </a:xfrm>
-          <a:prstGeom prst="rect">
-            <a:avLst/>
-          </a:prstGeom>
-          <a:ln w="12700">
-            <a:miter lim="400000"/>
-          </a:ln>
-          <a:extLst>
-            <a:ext uri="{C572A759-6A51-4108-AA02-DFA0A04FC94B}">
-              <ma14:wrappingTextBoxFlag xmlns="" xmlns:ma14="http://schemas.microsoft.com/office/mac/drawingml/2011/main" val="1"/>
-            </a:ext>
-          </a:extLst>
-        </p:spPr>
-        <p:txBody>
-          <a:bodyPr lIns="71437" tIns="71437" rIns="71437" bIns="71437">
-            <a:spAutoFit/>
-          </a:bodyPr>
-          <a:lstStyle>
-            <a:lvl1pPr>
-              <a:defRPr b="0">
-                <a:solidFill>
-                  <a:srgbClr val="FF2830"/>
-                </a:solidFill>
-                <a:latin typeface="Montserrat Medium"/>
-                <a:ea typeface="Montserrat Medium"/>
-                <a:cs typeface="Montserrat Medium"/>
-                <a:sym typeface="Montserrat Medium"/>
-              </a:defRPr>
-            </a:lvl1pPr>
-          </a:lstStyle>
-          <a:p>
-            <a:r>
-              <a:rPr dirty="0"/>
-              <a:t>[</a:t>
-            </a:r>
-            <a:r>
-              <a:rPr lang="en-AU" dirty="0"/>
-              <a:t>10 mins</a:t>
-            </a:r>
-            <a:r>
-              <a:rPr dirty="0"/>
-              <a:t>] </a:t>
-            </a:r>
-          </a:p>
-        </p:txBody>
-      </p:sp>
-      <p:sp>
-        <p:nvSpPr>
-          <p:cNvPr id="154" name="Shape 154"/>
-          <p:cNvSpPr/>
-          <p:nvPr/>
-        </p:nvSpPr>
-        <p:spPr>
-          <a:xfrm>
-            <a:off x="20560482" y="10442288"/>
-            <a:ext cx="2554258" cy="638176"/>
-          </a:xfrm>
-          <a:prstGeom prst="rect">
-            <a:avLst/>
-          </a:prstGeom>
-          <a:ln w="12700">
-            <a:miter lim="400000"/>
-          </a:ln>
-          <a:extLst>
-            <a:ext uri="{C572A759-6A51-4108-AA02-DFA0A04FC94B}">
-              <ma14:wrappingTextBoxFlag xmlns="" xmlns:ma14="http://schemas.microsoft.com/office/mac/drawingml/2011/main" val="1"/>
-            </a:ext>
-          </a:extLst>
-        </p:spPr>
-        <p:txBody>
-          <a:bodyPr lIns="71437" tIns="71437" rIns="71437" bIns="71437">
-            <a:spAutoFit/>
-          </a:bodyPr>
-          <a:lstStyle>
-            <a:lvl1pPr>
-              <a:defRPr b="0">
-                <a:solidFill>
-                  <a:srgbClr val="FF2830"/>
-                </a:solidFill>
-                <a:latin typeface="Montserrat Medium"/>
-                <a:ea typeface="Montserrat Medium"/>
-                <a:cs typeface="Montserrat Medium"/>
-                <a:sym typeface="Montserrat Medium"/>
-              </a:defRPr>
-            </a:lvl1pPr>
-          </a:lstStyle>
-          <a:p>
-            <a:r>
-              <a:rPr dirty="0"/>
-              <a:t>[1</a:t>
-            </a:r>
-            <a:r>
-              <a:rPr lang="en-AU" dirty="0"/>
-              <a:t>0</a:t>
-            </a:r>
-            <a:r>
-              <a:rPr dirty="0"/>
-              <a:t> min]</a:t>
-            </a:r>
-          </a:p>
-        </p:txBody>
-      </p:sp>
-      <p:sp>
-        <p:nvSpPr>
-          <p:cNvPr id="155" name="Shape 155"/>
-          <p:cNvSpPr/>
-          <p:nvPr/>
-        </p:nvSpPr>
-        <p:spPr>
-          <a:xfrm>
-            <a:off x="19993728" y="10987347"/>
-            <a:ext cx="3687764" cy="2235201"/>
-          </a:xfrm>
-          <a:custGeom>
-            <a:avLst/>
-            <a:gdLst/>
-            <a:ahLst/>
-            <a:cxnLst>
-              <a:cxn ang="0">
-                <a:pos x="wd2" y="hd2"/>
-              </a:cxn>
-              <a:cxn ang="5400000">
-                <a:pos x="wd2" y="hd2"/>
-              </a:cxn>
-              <a:cxn ang="10800000">
-                <a:pos x="wd2" y="hd2"/>
-              </a:cxn>
-              <a:cxn ang="16200000">
-                <a:pos x="wd2" y="hd2"/>
-              </a:cxn>
-            </a:cxnLst>
-            <a:rect l="0" t="0" r="r" b="b"/>
-            <a:pathLst>
-              <a:path w="21600" h="21600" extrusionOk="0">
-                <a:moveTo>
-                  <a:pt x="10902" y="0"/>
-                </a:moveTo>
-                <a:lnTo>
-                  <a:pt x="8659" y="4150"/>
-                </a:lnTo>
-                <a:lnTo>
-                  <a:pt x="1492" y="4150"/>
-                </a:lnTo>
-                <a:cubicBezTo>
-                  <a:pt x="668" y="4150"/>
-                  <a:pt x="0" y="5252"/>
-                  <a:pt x="0" y="6612"/>
-                </a:cubicBezTo>
-                <a:lnTo>
-                  <a:pt x="0" y="19138"/>
-                </a:lnTo>
-                <a:cubicBezTo>
-                  <a:pt x="0" y="20498"/>
-                  <a:pt x="668" y="21600"/>
-                  <a:pt x="1492" y="21600"/>
-                </a:cubicBezTo>
-                <a:lnTo>
-                  <a:pt x="20108" y="21600"/>
-                </a:lnTo>
-                <a:cubicBezTo>
-                  <a:pt x="20932" y="21600"/>
-                  <a:pt x="21600" y="20498"/>
-                  <a:pt x="21600" y="19138"/>
-                </a:cubicBezTo>
-                <a:lnTo>
-                  <a:pt x="21600" y="6612"/>
-                </a:lnTo>
-                <a:cubicBezTo>
-                  <a:pt x="21600" y="5252"/>
-                  <a:pt x="20932" y="4150"/>
-                  <a:pt x="20108" y="4150"/>
-                </a:cubicBezTo>
-                <a:lnTo>
-                  <a:pt x="13143" y="4150"/>
-                </a:lnTo>
-                <a:lnTo>
-                  <a:pt x="10902" y="0"/>
-                </a:lnTo>
-                <a:close/>
-              </a:path>
-            </a:pathLst>
-          </a:custGeom>
-          <a:solidFill>
-            <a:srgbClr val="EE5150"/>
-          </a:solidFill>
-          <a:ln w="12700">
-            <a:miter lim="400000"/>
-          </a:ln>
-          <a:extLst>
-            <a:ext uri="{C572A759-6A51-4108-AA02-DFA0A04FC94B}">
-              <ma14:wrappingTextBoxFlag xmlns="" xmlns:ma14="http://schemas.microsoft.com/office/mac/drawingml/2011/main" val="1"/>
-            </a:ext>
-          </a:extLst>
-        </p:spPr>
-        <p:txBody>
-          <a:bodyPr lIns="71437" tIns="71437" rIns="71437" bIns="71437" anchor="ctr"/>
-          <a:lstStyle>
-            <a:lvl1pPr>
-              <a:defRPr sz="3000" b="0">
-                <a:solidFill>
-                  <a:srgbClr val="FFFFFF"/>
-                </a:solidFill>
-                <a:latin typeface="Montserrat Medium"/>
-                <a:ea typeface="Montserrat Medium"/>
-                <a:cs typeface="Montserrat Medium"/>
-                <a:sym typeface="Montserrat Medium"/>
-              </a:defRPr>
-            </a:lvl1pPr>
-          </a:lstStyle>
-          <a:p>
-            <a:r>
-              <a:t>Lorum ipsum dolor sit amet</a:t>
-            </a:r>
-          </a:p>
-        </p:txBody>
-      </p:sp>
-      <p:sp>
-        <p:nvSpPr>
-          <p:cNvPr id="156" name="Shape 156"/>
-          <p:cNvSpPr/>
-          <p:nvPr/>
-        </p:nvSpPr>
-        <p:spPr>
-          <a:xfrm>
-            <a:off x="16533544" y="10442288"/>
-            <a:ext cx="2672083" cy="638176"/>
-          </a:xfrm>
-          <a:prstGeom prst="rect">
-            <a:avLst/>
-          </a:prstGeom>
-          <a:ln w="12700">
-            <a:miter lim="400000"/>
-          </a:ln>
-          <a:extLst>
-            <a:ext uri="{C572A759-6A51-4108-AA02-DFA0A04FC94B}">
-              <ma14:wrappingTextBoxFlag xmlns="" xmlns:ma14="http://schemas.microsoft.com/office/mac/drawingml/2011/main" val="1"/>
-            </a:ext>
-          </a:extLst>
-        </p:spPr>
-        <p:txBody>
-          <a:bodyPr lIns="71437" tIns="71437" rIns="71437" bIns="71437">
-            <a:spAutoFit/>
-          </a:bodyPr>
-          <a:lstStyle>
-            <a:lvl1pPr>
-              <a:defRPr b="0">
-                <a:solidFill>
-                  <a:srgbClr val="FF2830"/>
-                </a:solidFill>
-                <a:latin typeface="Montserrat Medium"/>
-                <a:ea typeface="Montserrat Medium"/>
-                <a:cs typeface="Montserrat Medium"/>
-                <a:sym typeface="Montserrat Medium"/>
-              </a:defRPr>
-            </a:lvl1pPr>
-          </a:lstStyle>
-          <a:p>
-            <a:r>
-              <a:rPr lang="en-AU" dirty="0"/>
-              <a:t>[40 </a:t>
-            </a:r>
-            <a:r>
-              <a:rPr dirty="0"/>
-              <a:t>min</a:t>
-            </a:r>
-            <a:r>
-              <a:rPr lang="en-AU" dirty="0"/>
-              <a:t>s</a:t>
-            </a:r>
-            <a:r>
-              <a:rPr dirty="0"/>
-              <a:t>]</a:t>
-            </a:r>
-          </a:p>
-        </p:txBody>
-      </p:sp>
-      <p:sp>
-        <p:nvSpPr>
-          <p:cNvPr id="164" name="Shape 164"/>
-          <p:cNvSpPr/>
-          <p:nvPr/>
-        </p:nvSpPr>
-        <p:spPr>
-          <a:xfrm>
-            <a:off x="8549445" y="10473018"/>
-            <a:ext cx="2944935" cy="636712"/>
-          </a:xfrm>
-          <a:prstGeom prst="rect">
-            <a:avLst/>
-          </a:prstGeom>
-          <a:ln w="12700">
-            <a:miter lim="400000"/>
-          </a:ln>
-          <a:extLst>
-            <a:ext uri="{C572A759-6A51-4108-AA02-DFA0A04FC94B}">
-              <ma14:wrappingTextBoxFlag xmlns="" xmlns:ma14="http://schemas.microsoft.com/office/mac/drawingml/2011/main" val="1"/>
-            </a:ext>
-          </a:extLst>
-        </p:spPr>
-        <p:txBody>
-          <a:bodyPr wrap="square" lIns="71437" tIns="71437" rIns="71437" bIns="71437">
-            <a:spAutoFit/>
-          </a:bodyPr>
-          <a:lstStyle>
-            <a:lvl1pPr>
-              <a:defRPr b="0">
-                <a:solidFill>
-                  <a:srgbClr val="FF2830"/>
-                </a:solidFill>
-                <a:latin typeface="Montserrat Medium"/>
-                <a:ea typeface="Montserrat Medium"/>
-                <a:cs typeface="Montserrat Medium"/>
-                <a:sym typeface="Montserrat Medium"/>
-              </a:defRPr>
-            </a:lvl1pPr>
-          </a:lstStyle>
-          <a:p>
-            <a:r>
-              <a:rPr dirty="0"/>
-              <a:t>[</a:t>
-            </a:r>
-            <a:r>
-              <a:rPr lang="en-AU" dirty="0"/>
-              <a:t>20-40 mins</a:t>
-            </a:r>
-            <a:r>
-              <a:rPr dirty="0"/>
-              <a:t>]</a:t>
-            </a:r>
-          </a:p>
-        </p:txBody>
-      </p:sp>
-      <p:sp>
-        <p:nvSpPr>
-          <p:cNvPr id="166" name="Shape 166"/>
-          <p:cNvSpPr/>
-          <p:nvPr/>
-        </p:nvSpPr>
-        <p:spPr>
-          <a:xfrm>
-            <a:off x="12541495" y="10473018"/>
-            <a:ext cx="2944934" cy="636712"/>
-          </a:xfrm>
-          <a:prstGeom prst="rect">
-            <a:avLst/>
-          </a:prstGeom>
-          <a:ln w="12700">
-            <a:miter lim="400000"/>
-          </a:ln>
-          <a:extLst>
-            <a:ext uri="{C572A759-6A51-4108-AA02-DFA0A04FC94B}">
-              <ma14:wrappingTextBoxFlag xmlns="" xmlns:ma14="http://schemas.microsoft.com/office/mac/drawingml/2011/main" val="1"/>
-            </a:ext>
-          </a:extLst>
-        </p:spPr>
-        <p:txBody>
-          <a:bodyPr wrap="square" lIns="71437" tIns="71437" rIns="71437" bIns="71437">
-            <a:spAutoFit/>
-          </a:bodyPr>
-          <a:lstStyle>
-            <a:lvl1pPr>
-              <a:defRPr b="0">
-                <a:solidFill>
-                  <a:srgbClr val="FF2830"/>
-                </a:solidFill>
-                <a:latin typeface="Montserrat Medium"/>
-                <a:ea typeface="Montserrat Medium"/>
-                <a:cs typeface="Montserrat Medium"/>
-                <a:sym typeface="Montserrat Medium"/>
-              </a:defRPr>
-            </a:lvl1pPr>
-          </a:lstStyle>
-          <a:p>
-            <a:r>
-              <a:rPr dirty="0"/>
-              <a:t>[</a:t>
-            </a:r>
-            <a:r>
-              <a:rPr lang="en-AU" dirty="0"/>
-              <a:t>60-90 mins</a:t>
-            </a:r>
-            <a:r>
-              <a:rPr dirty="0"/>
-              <a:t>] </a:t>
-            </a:r>
-          </a:p>
-        </p:txBody>
-      </p:sp>
-      <p:grpSp>
-        <p:nvGrpSpPr>
-          <p:cNvPr id="2" name="Group 1">
-            <a:extLst>
-              <a:ext uri="{FF2B5EF4-FFF2-40B4-BE49-F238E27FC236}">
-                <a16:creationId xmlns:a16="http://schemas.microsoft.com/office/drawing/2014/main" id="{662C4E40-F3DE-944C-83FA-894A0483E1A3}"/>
-              </a:ext>
-            </a:extLst>
-          </p:cNvPr>
-          <p:cNvGrpSpPr/>
-          <p:nvPr/>
-        </p:nvGrpSpPr>
-        <p:grpSpPr>
-          <a:xfrm>
-            <a:off x="-11907" y="-1182738"/>
-            <a:ext cx="24474866" cy="11416365"/>
-            <a:chOff x="-11907" y="-1182738"/>
-            <a:chExt cx="24474866" cy="11416365"/>
-          </a:xfrm>
-        </p:grpSpPr>
-        <p:sp>
-          <p:nvSpPr>
-            <p:cNvPr id="139" name="Shape 139"/>
-            <p:cNvSpPr/>
-            <p:nvPr/>
-          </p:nvSpPr>
-          <p:spPr>
-            <a:xfrm rot="16200000">
-              <a:off x="14734463" y="1317089"/>
-              <a:ext cx="6120259" cy="3360399"/>
-            </a:xfrm>
-            <a:custGeom>
-              <a:avLst/>
-              <a:gdLst/>
-              <a:ahLst/>
-              <a:cxnLst>
-                <a:cxn ang="0">
-                  <a:pos x="wd2" y="hd2"/>
-                </a:cxn>
-                <a:cxn ang="5400000">
-                  <a:pos x="wd2" y="hd2"/>
-                </a:cxn>
-                <a:cxn ang="10800000">
-                  <a:pos x="wd2" y="hd2"/>
-                </a:cxn>
-                <a:cxn ang="16200000">
-                  <a:pos x="wd2" y="hd2"/>
-                </a:cxn>
-              </a:cxnLst>
-              <a:rect l="0" t="0" r="r" b="b"/>
-              <a:pathLst>
-                <a:path w="21600" h="21600" extrusionOk="0">
-                  <a:moveTo>
-                    <a:pt x="0" y="0"/>
-                  </a:moveTo>
-                  <a:lnTo>
-                    <a:pt x="0" y="21600"/>
-                  </a:lnTo>
-                  <a:lnTo>
-                    <a:pt x="21600" y="21600"/>
-                  </a:lnTo>
-                  <a:close/>
-                </a:path>
-              </a:pathLst>
-            </a:custGeom>
-            <a:solidFill>
-              <a:srgbClr val="FFFFFF"/>
-            </a:solidFill>
-            <a:ln w="12700">
-              <a:miter lim="400000"/>
-            </a:ln>
-          </p:spPr>
-          <p:txBody>
-            <a:bodyPr lIns="71437" tIns="71437" rIns="71437" bIns="71437" anchor="ctr"/>
-            <a:lstStyle/>
-            <a:p>
-              <a:pPr>
-                <a:defRPr sz="3000" b="0">
-                  <a:solidFill>
-                    <a:srgbClr val="FFFFFF"/>
-                  </a:solidFill>
-                  <a:latin typeface="+mn-lt"/>
-                  <a:ea typeface="+mn-ea"/>
-                  <a:cs typeface="+mn-cs"/>
-                  <a:sym typeface="Helvetica Neue Medium"/>
-                </a:defRPr>
-              </a:pPr>
-              <a:endParaRPr/>
-            </a:p>
-          </p:txBody>
-        </p:sp>
-        <p:sp>
-          <p:nvSpPr>
-            <p:cNvPr id="140" name="Shape 140"/>
-            <p:cNvSpPr/>
-            <p:nvPr/>
-          </p:nvSpPr>
-          <p:spPr>
-            <a:xfrm rot="16200000">
-              <a:off x="17562253" y="615600"/>
-              <a:ext cx="3063687" cy="1682153"/>
-            </a:xfrm>
-            <a:custGeom>
-              <a:avLst/>
-              <a:gdLst/>
-              <a:ahLst/>
-              <a:cxnLst>
-                <a:cxn ang="0">
-                  <a:pos x="wd2" y="hd2"/>
-                </a:cxn>
-                <a:cxn ang="5400000">
-                  <a:pos x="wd2" y="hd2"/>
-                </a:cxn>
-                <a:cxn ang="10800000">
-                  <a:pos x="wd2" y="hd2"/>
-                </a:cxn>
-                <a:cxn ang="16200000">
-                  <a:pos x="wd2" y="hd2"/>
-                </a:cxn>
-              </a:cxnLst>
-              <a:rect l="0" t="0" r="r" b="b"/>
-              <a:pathLst>
-                <a:path w="21600" h="21600" extrusionOk="0">
-                  <a:moveTo>
-                    <a:pt x="0" y="0"/>
-                  </a:moveTo>
-                  <a:lnTo>
-                    <a:pt x="0" y="21600"/>
-                  </a:lnTo>
-                  <a:lnTo>
-                    <a:pt x="21600" y="21600"/>
-                  </a:lnTo>
-                  <a:close/>
-                </a:path>
-              </a:pathLst>
-            </a:custGeom>
-            <a:solidFill>
-              <a:srgbClr val="EE5150"/>
-            </a:solidFill>
-            <a:ln w="12700">
-              <a:miter lim="400000"/>
-            </a:ln>
-          </p:spPr>
-          <p:txBody>
-            <a:bodyPr lIns="71437" tIns="71437" rIns="71437" bIns="71437" anchor="ctr"/>
-            <a:lstStyle/>
-            <a:p>
-              <a:pPr>
-                <a:defRPr sz="3000" b="0">
-                  <a:solidFill>
-                    <a:srgbClr val="FFFFFF"/>
-                  </a:solidFill>
-                  <a:latin typeface="+mn-lt"/>
-                  <a:ea typeface="+mn-ea"/>
-                  <a:cs typeface="+mn-cs"/>
-                  <a:sym typeface="Helvetica Neue Medium"/>
-                </a:defRPr>
-              </a:pPr>
-              <a:endParaRPr/>
-            </a:p>
-          </p:txBody>
-        </p:sp>
-        <p:sp>
-          <p:nvSpPr>
-            <p:cNvPr id="141" name="Shape 141"/>
-            <p:cNvSpPr/>
-            <p:nvPr/>
-          </p:nvSpPr>
-          <p:spPr>
-            <a:xfrm>
-              <a:off x="19899076" y="-60452"/>
-              <a:ext cx="4496226" cy="3047293"/>
-            </a:xfrm>
-            <a:prstGeom prst="rect">
-              <a:avLst/>
-            </a:prstGeom>
-            <a:solidFill>
-              <a:srgbClr val="EE5150"/>
-            </a:solidFill>
-            <a:ln w="12700">
-              <a:miter lim="400000"/>
-            </a:ln>
-          </p:spPr>
-          <p:txBody>
-            <a:bodyPr lIns="71437" tIns="71437" rIns="71437" bIns="71437" anchor="ctr"/>
-            <a:lstStyle/>
-            <a:p>
-              <a:pPr>
-                <a:defRPr sz="3000" b="0">
-                  <a:solidFill>
-                    <a:srgbClr val="FFFFFF"/>
-                  </a:solidFill>
-                  <a:latin typeface="+mn-lt"/>
-                  <a:ea typeface="+mn-ea"/>
-                  <a:cs typeface="+mn-cs"/>
-                  <a:sym typeface="Helvetica Neue Medium"/>
-                </a:defRPr>
-              </a:pPr>
-              <a:endParaRPr/>
-            </a:p>
-          </p:txBody>
-        </p:sp>
-        <p:sp>
-          <p:nvSpPr>
-            <p:cNvPr id="142" name="Shape 142"/>
-            <p:cNvSpPr/>
-            <p:nvPr/>
-          </p:nvSpPr>
-          <p:spPr>
-            <a:xfrm>
-              <a:off x="19212262" y="-576935"/>
-              <a:ext cx="5250697" cy="2607060"/>
-            </a:xfrm>
-            <a:prstGeom prst="rect">
-              <a:avLst/>
-            </a:prstGeom>
-            <a:ln w="12700">
-              <a:miter lim="400000"/>
-            </a:ln>
-            <a:extLst>
-              <a:ext uri="{C572A759-6A51-4108-AA02-DFA0A04FC94B}">
-                <ma14:wrappingTextBoxFlag xmlns="" xmlns:ma14="http://schemas.microsoft.com/office/mac/drawingml/2011/main" val="1"/>
-              </a:ext>
-            </a:extLst>
-          </p:spPr>
-          <p:txBody>
-            <a:bodyPr lIns="0" tIns="0" rIns="0" bIns="0" anchor="ctr">
-              <a:spAutoFit/>
-            </a:bodyPr>
-            <a:lstStyle/>
-            <a:p>
-              <a:pPr lvl="3" algn="l" defTabSz="642937">
-                <a:lnSpc>
-                  <a:spcPts val="24800"/>
-                </a:lnSpc>
-                <a:defRPr sz="7000" b="0" spc="-140">
-                  <a:solidFill>
-                    <a:srgbClr val="FFFFFF"/>
-                  </a:solidFill>
-                  <a:latin typeface="Montserrat Bold"/>
-                  <a:ea typeface="Montserrat Bold"/>
-                  <a:cs typeface="Montserrat Bold"/>
-                  <a:sym typeface="Montserrat Bold"/>
-                </a:defRPr>
-              </a:pPr>
-              <a:r>
-                <a:rPr dirty="0"/>
-                <a:t>PAGE </a:t>
-              </a:r>
-              <a:r>
-                <a:rPr lang="en-AU" dirty="0"/>
-                <a:t>152</a:t>
-              </a:r>
-              <a:endParaRPr dirty="0"/>
-            </a:p>
-          </p:txBody>
-        </p:sp>
-        <p:sp>
-          <p:nvSpPr>
-            <p:cNvPr id="143" name="Shape 143"/>
-            <p:cNvSpPr/>
-            <p:nvPr/>
-          </p:nvSpPr>
-          <p:spPr>
-            <a:xfrm>
-              <a:off x="1334644" y="6636377"/>
-              <a:ext cx="21354888" cy="1129154"/>
-            </a:xfrm>
-            <a:prstGeom prst="rect">
-              <a:avLst/>
-            </a:prstGeom>
-            <a:ln w="12700">
-              <a:miter lim="400000"/>
-            </a:ln>
-            <a:extLst>
-              <a:ext uri="{C572A759-6A51-4108-AA02-DFA0A04FC94B}">
-                <ma14:wrappingTextBoxFlag xmlns="" xmlns:ma14="http://schemas.microsoft.com/office/mac/drawingml/2011/main" val="1"/>
-              </a:ext>
-            </a:extLst>
-          </p:spPr>
-          <p:txBody>
-            <a:bodyPr lIns="71437" tIns="71437" rIns="71437" bIns="71437">
-              <a:spAutoFit/>
-            </a:bodyPr>
-            <a:lstStyle>
-              <a:lvl1pPr algn="l">
-                <a:defRPr b="0">
-                  <a:latin typeface="Montserrat Medium"/>
-                  <a:ea typeface="Montserrat Medium"/>
-                  <a:cs typeface="Montserrat Medium"/>
-                  <a:sym typeface="Montserrat Medium"/>
-                </a:defRPr>
-              </a:lvl1pPr>
-            </a:lstStyle>
-            <a:p>
-              <a:r>
-                <a:rPr lang="en-AU" dirty="0"/>
-                <a:t>In this exercise, you will analyse an organisation’s (or team’s) existing strategy to identify inconsistent viewpoints amongst team members. Use the template provided on the companion website.</a:t>
-              </a:r>
-            </a:p>
-          </p:txBody>
-        </p:sp>
-        <p:sp>
-          <p:nvSpPr>
-            <p:cNvPr id="144" name="Shape 144"/>
-            <p:cNvSpPr/>
-            <p:nvPr/>
-          </p:nvSpPr>
-          <p:spPr>
-            <a:xfrm rot="16200000">
-              <a:off x="16480800" y="3733069"/>
-              <a:ext cx="2107691" cy="1157253"/>
-            </a:xfrm>
-            <a:custGeom>
-              <a:avLst/>
-              <a:gdLst/>
-              <a:ahLst/>
-              <a:cxnLst>
-                <a:cxn ang="0">
-                  <a:pos x="wd2" y="hd2"/>
-                </a:cxn>
-                <a:cxn ang="5400000">
-                  <a:pos x="wd2" y="hd2"/>
-                </a:cxn>
-                <a:cxn ang="10800000">
-                  <a:pos x="wd2" y="hd2"/>
-                </a:cxn>
-                <a:cxn ang="16200000">
-                  <a:pos x="wd2" y="hd2"/>
-                </a:cxn>
-              </a:cxnLst>
-              <a:rect l="0" t="0" r="r" b="b"/>
-              <a:pathLst>
-                <a:path w="21600" h="21600" extrusionOk="0">
-                  <a:moveTo>
-                    <a:pt x="0" y="0"/>
-                  </a:moveTo>
-                  <a:lnTo>
-                    <a:pt x="0" y="21600"/>
-                  </a:lnTo>
-                  <a:lnTo>
-                    <a:pt x="21600" y="21600"/>
-                  </a:lnTo>
-                  <a:close/>
-                </a:path>
-              </a:pathLst>
-            </a:custGeom>
-            <a:solidFill>
-              <a:srgbClr val="212121"/>
-            </a:solidFill>
-            <a:ln w="12700">
-              <a:miter lim="400000"/>
-            </a:ln>
-          </p:spPr>
-          <p:txBody>
-            <a:bodyPr lIns="71437" tIns="71437" rIns="71437" bIns="71437" anchor="ctr"/>
-            <a:lstStyle/>
-            <a:p>
-              <a:pPr>
-                <a:defRPr sz="3000" b="0">
-                  <a:solidFill>
-                    <a:srgbClr val="FFFFFF"/>
-                  </a:solidFill>
-                  <a:latin typeface="+mn-lt"/>
-                  <a:ea typeface="+mn-ea"/>
-                  <a:cs typeface="+mn-cs"/>
-                  <a:sym typeface="Helvetica Neue Medium"/>
-                </a:defRPr>
-              </a:pPr>
-              <a:endParaRPr/>
-            </a:p>
-          </p:txBody>
-        </p:sp>
-        <p:sp>
-          <p:nvSpPr>
-            <p:cNvPr id="145" name="Shape 145"/>
-            <p:cNvSpPr/>
-            <p:nvPr/>
-          </p:nvSpPr>
-          <p:spPr>
-            <a:xfrm>
-              <a:off x="18112142" y="3266047"/>
-              <a:ext cx="6294408" cy="2107692"/>
-            </a:xfrm>
-            <a:prstGeom prst="rect">
-              <a:avLst/>
-            </a:prstGeom>
-            <a:solidFill>
-              <a:srgbClr val="212121"/>
-            </a:solidFill>
-            <a:ln w="12700">
-              <a:miter lim="400000"/>
-            </a:ln>
-          </p:spPr>
-          <p:txBody>
-            <a:bodyPr lIns="71437" tIns="71437" rIns="71437" bIns="71437" anchor="ctr"/>
-            <a:lstStyle/>
-            <a:p>
-              <a:pPr marR="254000" algn="r">
-                <a:defRPr sz="3000" b="0">
-                  <a:solidFill>
-                    <a:srgbClr val="FFFFFF"/>
-                  </a:solidFill>
-                  <a:latin typeface="Montserrat Bold"/>
-                  <a:ea typeface="Montserrat Bold"/>
-                  <a:cs typeface="Montserrat Bold"/>
-                  <a:sym typeface="Montserrat Bold"/>
-                </a:defRPr>
-              </a:pPr>
-              <a:endParaRPr/>
-            </a:p>
-          </p:txBody>
-        </p:sp>
-        <p:sp>
-          <p:nvSpPr>
-            <p:cNvPr id="146" name="Shape 146"/>
-            <p:cNvSpPr/>
-            <p:nvPr/>
-          </p:nvSpPr>
-          <p:spPr>
-            <a:xfrm>
-              <a:off x="20149046" y="3324616"/>
-              <a:ext cx="3996285" cy="2529538"/>
-            </a:xfrm>
-            <a:prstGeom prst="rect">
-              <a:avLst/>
-            </a:prstGeom>
-            <a:ln w="12700">
-              <a:miter lim="400000"/>
-            </a:ln>
-            <a:extLst>
-              <a:ext uri="{C572A759-6A51-4108-AA02-DFA0A04FC94B}">
-                <ma14:wrappingTextBoxFlag xmlns="" xmlns:ma14="http://schemas.microsoft.com/office/mac/drawingml/2011/main" val="1"/>
-              </a:ext>
-            </a:extLst>
-          </p:spPr>
-          <p:txBody>
-            <a:bodyPr wrap="none" lIns="71437" tIns="71437" rIns="71437" bIns="71437" anchor="ctr">
-              <a:spAutoFit/>
-            </a:bodyPr>
-            <a:lstStyle/>
-            <a:p>
-              <a:pPr marR="254000" algn="r">
-                <a:defRPr sz="3000" b="0">
-                  <a:solidFill>
-                    <a:srgbClr val="FFFFFF"/>
-                  </a:solidFill>
-                  <a:latin typeface="Montserrat Bold"/>
-                  <a:ea typeface="Montserrat Bold"/>
-                  <a:cs typeface="Montserrat Bold"/>
-                  <a:sym typeface="Montserrat Bold"/>
-                </a:defRPr>
-              </a:pPr>
-              <a:r>
-                <a:rPr sz="2500" dirty="0"/>
-                <a:t>YOU WILL NEED</a:t>
-              </a:r>
-              <a:br>
-                <a:rPr sz="2500" dirty="0"/>
-              </a:br>
-              <a:r>
-                <a:rPr lang="en-AU" sz="2500" dirty="0"/>
-                <a:t>2+ participants, 1-2</a:t>
-              </a:r>
-            </a:p>
-            <a:p>
-              <a:pPr marR="254000" algn="r">
-                <a:defRPr sz="3000" b="0">
-                  <a:solidFill>
-                    <a:srgbClr val="FFFFFF"/>
-                  </a:solidFill>
-                  <a:latin typeface="Montserrat Bold"/>
-                  <a:ea typeface="Montserrat Bold"/>
-                  <a:cs typeface="Montserrat Bold"/>
-                  <a:sym typeface="Montserrat Bold"/>
-                </a:defRPr>
-              </a:pPr>
-              <a:r>
-                <a:rPr lang="en-AU" sz="2500" dirty="0"/>
-                <a:t>people, whiteboard</a:t>
-              </a:r>
-            </a:p>
-            <a:p>
-              <a:pPr marR="254000" algn="r">
-                <a:defRPr sz="3000" b="0">
-                  <a:solidFill>
-                    <a:srgbClr val="FFFFFF"/>
-                  </a:solidFill>
-                  <a:latin typeface="Montserrat Bold"/>
-                  <a:ea typeface="Montserrat Bold"/>
-                  <a:cs typeface="Montserrat Bold"/>
-                  <a:sym typeface="Montserrat Bold"/>
-                </a:defRPr>
-              </a:pPr>
-              <a:r>
-                <a:rPr lang="en-AU" sz="2500" dirty="0"/>
-                <a:t>or A2 paper, markers,</a:t>
-              </a:r>
-            </a:p>
-            <a:p>
-              <a:pPr marR="254000" algn="r">
-                <a:defRPr sz="3000" b="0">
-                  <a:solidFill>
-                    <a:srgbClr val="FFFFFF"/>
-                  </a:solidFill>
-                  <a:latin typeface="Montserrat Bold"/>
-                  <a:ea typeface="Montserrat Bold"/>
-                  <a:cs typeface="Montserrat Bold"/>
-                  <a:sym typeface="Montserrat Bold"/>
-                </a:defRPr>
-              </a:pPr>
-              <a:r>
-                <a:rPr lang="en-AU" sz="2500" dirty="0"/>
-                <a:t>sticky notes, pens</a:t>
-              </a:r>
-            </a:p>
-            <a:p>
-              <a:pPr marR="254000" algn="r">
-                <a:defRPr sz="3000" b="0">
-                  <a:solidFill>
-                    <a:srgbClr val="FFFFFF"/>
-                  </a:solidFill>
-                  <a:latin typeface="Montserrat Bold"/>
-                  <a:ea typeface="Montserrat Bold"/>
-                  <a:cs typeface="Montserrat Bold"/>
-                  <a:sym typeface="Montserrat Bold"/>
-                </a:defRPr>
-              </a:pPr>
-              <a:endParaRPr dirty="0">
-                <a:latin typeface="Montserrat Medium"/>
-                <a:ea typeface="Montserrat Medium"/>
-                <a:cs typeface="Montserrat Medium"/>
-                <a:sym typeface="Montserrat Medium"/>
-              </a:endParaRPr>
-            </a:p>
-          </p:txBody>
-        </p:sp>
-        <p:sp>
-          <p:nvSpPr>
-            <p:cNvPr id="147" name="Shape 147"/>
-            <p:cNvSpPr/>
-            <p:nvPr/>
-          </p:nvSpPr>
-          <p:spPr>
-            <a:xfrm>
-              <a:off x="2479707" y="9714356"/>
-              <a:ext cx="19139561" cy="1"/>
-            </a:xfrm>
-            <a:prstGeom prst="line">
-              <a:avLst/>
-            </a:prstGeom>
-            <a:ln w="88900">
-              <a:solidFill>
-                <a:srgbClr val="000000"/>
-              </a:solidFill>
-              <a:miter lim="400000"/>
-            </a:ln>
-          </p:spPr>
-          <p:txBody>
-            <a:bodyPr lIns="71437" tIns="71437" rIns="71437" bIns="71437" anchor="ctr"/>
-            <a:lstStyle/>
-            <a:p>
-              <a:pPr>
-                <a:defRPr sz="3000" b="0">
-                  <a:solidFill>
-                    <a:srgbClr val="FFFFFF"/>
-                  </a:solidFill>
-                  <a:latin typeface="+mn-lt"/>
-                  <a:ea typeface="+mn-ea"/>
-                  <a:cs typeface="+mn-cs"/>
-                  <a:sym typeface="Helvetica Neue Medium"/>
-                </a:defRPr>
-              </a:pPr>
-              <a:endParaRPr/>
-            </a:p>
-          </p:txBody>
-        </p:sp>
-        <p:sp>
-          <p:nvSpPr>
-            <p:cNvPr id="148" name="Shape 148"/>
-            <p:cNvSpPr/>
-            <p:nvPr/>
-          </p:nvSpPr>
-          <p:spPr>
-            <a:xfrm>
-              <a:off x="1478213" y="9195086"/>
-              <a:ext cx="1038542" cy="1038541"/>
-            </a:xfrm>
-            <a:prstGeom prst="ellipse">
-              <a:avLst/>
-            </a:prstGeom>
-            <a:solidFill>
-              <a:srgbClr val="D6D6D6"/>
-            </a:solidFill>
-            <a:ln w="12700">
-              <a:miter lim="400000"/>
-            </a:ln>
-            <a:extLst>
-              <a:ext uri="{C572A759-6A51-4108-AA02-DFA0A04FC94B}">
-                <ma14:wrappingTextBoxFlag xmlns="" xmlns:ma14="http://schemas.microsoft.com/office/mac/drawingml/2011/main" val="1"/>
-              </a:ext>
-            </a:extLst>
-          </p:spPr>
-          <p:txBody>
-            <a:bodyPr lIns="71437" tIns="71437" rIns="71437" bIns="71437" anchor="ctr"/>
-            <a:lstStyle>
-              <a:lvl1pPr>
-                <a:defRPr sz="4000" b="0">
-                  <a:solidFill>
-                    <a:srgbClr val="FFFFFF"/>
-                  </a:solidFill>
-                  <a:latin typeface="Montserrat Bold"/>
-                  <a:ea typeface="Montserrat Bold"/>
-                  <a:cs typeface="Montserrat Bold"/>
-                  <a:sym typeface="Montserrat Bold"/>
-                </a:defRPr>
-              </a:lvl1pPr>
-            </a:lstStyle>
-            <a:p>
-              <a:r>
-                <a:t>1</a:t>
-              </a:r>
-            </a:p>
-          </p:txBody>
-        </p:sp>
-        <p:sp>
-          <p:nvSpPr>
-            <p:cNvPr id="149" name="Shape 149"/>
-            <p:cNvSpPr/>
-            <p:nvPr/>
-          </p:nvSpPr>
-          <p:spPr>
-            <a:xfrm>
-              <a:off x="21318340" y="9195086"/>
-              <a:ext cx="1038542" cy="1038541"/>
-            </a:xfrm>
-            <a:prstGeom prst="ellipse">
-              <a:avLst/>
-            </a:prstGeom>
-            <a:solidFill>
-              <a:srgbClr val="DC5C56"/>
-            </a:solidFill>
-            <a:ln w="12700">
-              <a:miter lim="400000"/>
-            </a:ln>
-            <a:extLst>
-              <a:ext uri="{C572A759-6A51-4108-AA02-DFA0A04FC94B}">
-                <ma14:wrappingTextBoxFlag xmlns="" xmlns:ma14="http://schemas.microsoft.com/office/mac/drawingml/2011/main" val="1"/>
-              </a:ext>
-            </a:extLst>
-          </p:spPr>
-          <p:txBody>
-            <a:bodyPr lIns="71437" tIns="71437" rIns="71437" bIns="71437" anchor="ctr"/>
-            <a:lstStyle>
-              <a:lvl1pPr>
-                <a:defRPr sz="4000" b="0">
-                  <a:solidFill>
-                    <a:srgbClr val="FFFFFF"/>
-                  </a:solidFill>
-                  <a:latin typeface="Montserrat Bold"/>
-                  <a:ea typeface="Montserrat Bold"/>
-                  <a:cs typeface="Montserrat Bold"/>
-                  <a:sym typeface="Montserrat Bold"/>
-                </a:defRPr>
-              </a:lvl1pPr>
-            </a:lstStyle>
-            <a:p>
-              <a:r>
-                <a:t>6</a:t>
-              </a:r>
-            </a:p>
-          </p:txBody>
-        </p:sp>
-        <p:sp>
-          <p:nvSpPr>
-            <p:cNvPr id="150" name="Shape 150"/>
-            <p:cNvSpPr/>
-            <p:nvPr/>
-          </p:nvSpPr>
-          <p:spPr>
-            <a:xfrm>
-              <a:off x="5446239" y="9195086"/>
-              <a:ext cx="1038541" cy="1038541"/>
-            </a:xfrm>
-            <a:prstGeom prst="ellipse">
-              <a:avLst/>
-            </a:prstGeom>
-            <a:solidFill>
-              <a:srgbClr val="D6D6D6"/>
-            </a:solidFill>
-            <a:ln w="12700">
-              <a:miter lim="400000"/>
-            </a:ln>
-            <a:extLst>
-              <a:ext uri="{C572A759-6A51-4108-AA02-DFA0A04FC94B}">
-                <ma14:wrappingTextBoxFlag xmlns="" xmlns:ma14="http://schemas.microsoft.com/office/mac/drawingml/2011/main" val="1"/>
-              </a:ext>
-            </a:extLst>
-          </p:spPr>
-          <p:txBody>
-            <a:bodyPr lIns="71437" tIns="71437" rIns="71437" bIns="71437" anchor="ctr"/>
-            <a:lstStyle>
-              <a:lvl1pPr>
-                <a:defRPr sz="4000" b="0">
-                  <a:solidFill>
-                    <a:srgbClr val="FFFFFF"/>
-                  </a:solidFill>
-                  <a:latin typeface="Montserrat Bold"/>
-                  <a:ea typeface="Montserrat Bold"/>
-                  <a:cs typeface="Montserrat Bold"/>
-                  <a:sym typeface="Montserrat Bold"/>
-                </a:defRPr>
-              </a:lvl1pPr>
-            </a:lstStyle>
-            <a:p>
-              <a:r>
-                <a:t>2</a:t>
-              </a:r>
-            </a:p>
-          </p:txBody>
-        </p:sp>
-        <p:sp>
-          <p:nvSpPr>
-            <p:cNvPr id="151" name="Shape 151"/>
-            <p:cNvSpPr/>
-            <p:nvPr/>
-          </p:nvSpPr>
-          <p:spPr>
-            <a:xfrm>
-              <a:off x="17350314" y="9195086"/>
-              <a:ext cx="1038541" cy="1038541"/>
-            </a:xfrm>
-            <a:prstGeom prst="ellipse">
-              <a:avLst/>
-            </a:prstGeom>
-            <a:solidFill>
-              <a:srgbClr val="D6D6D6"/>
-            </a:solidFill>
-            <a:ln w="12700">
-              <a:miter lim="400000"/>
-            </a:ln>
-            <a:extLst>
-              <a:ext uri="{C572A759-6A51-4108-AA02-DFA0A04FC94B}">
-                <ma14:wrappingTextBoxFlag xmlns="" xmlns:ma14="http://schemas.microsoft.com/office/mac/drawingml/2011/main" val="1"/>
-              </a:ext>
-            </a:extLst>
-          </p:spPr>
-          <p:txBody>
-            <a:bodyPr lIns="71437" tIns="71437" rIns="71437" bIns="71437" anchor="ctr"/>
-            <a:lstStyle>
-              <a:lvl1pPr>
-                <a:defRPr sz="4000" b="0">
-                  <a:solidFill>
-                    <a:srgbClr val="FFFFFF"/>
-                  </a:solidFill>
-                  <a:latin typeface="Montserrat Bold"/>
-                  <a:ea typeface="Montserrat Bold"/>
-                  <a:cs typeface="Montserrat Bold"/>
-                  <a:sym typeface="Montserrat Bold"/>
-                </a:defRPr>
-              </a:lvl1pPr>
-            </a:lstStyle>
-            <a:p>
-              <a:r>
-                <a:t>5</a:t>
-              </a:r>
-            </a:p>
-          </p:txBody>
-        </p:sp>
-        <p:sp>
-          <p:nvSpPr>
-            <p:cNvPr id="157" name="Shape 157"/>
-            <p:cNvSpPr/>
-            <p:nvPr/>
-          </p:nvSpPr>
-          <p:spPr>
-            <a:xfrm>
-              <a:off x="-11907" y="460111"/>
-              <a:ext cx="16055862" cy="2321716"/>
-            </a:xfrm>
-            <a:prstGeom prst="rect">
-              <a:avLst/>
-            </a:prstGeom>
-            <a:solidFill>
-              <a:srgbClr val="EE5150"/>
-            </a:solidFill>
-            <a:ln w="12700">
-              <a:miter lim="400000"/>
-            </a:ln>
-          </p:spPr>
-          <p:txBody>
-            <a:bodyPr lIns="0" tIns="0" rIns="0" bIns="0" anchor="ctr"/>
-            <a:lstStyle/>
-            <a:p>
-              <a:pPr lvl="3" algn="l" defTabSz="642937">
-                <a:lnSpc>
-                  <a:spcPts val="27900"/>
-                </a:lnSpc>
-                <a:defRPr sz="9600">
-                  <a:solidFill>
-                    <a:srgbClr val="FFFFFF"/>
-                  </a:solidFill>
-                  <a:latin typeface="Tw Cen MT"/>
-                  <a:ea typeface="Tw Cen MT"/>
-                  <a:cs typeface="Tw Cen MT"/>
-                  <a:sym typeface="Tw Cen MT"/>
-                </a:defRPr>
-              </a:pPr>
-              <a:endParaRPr/>
-            </a:p>
-          </p:txBody>
-        </p:sp>
-        <p:sp>
-          <p:nvSpPr>
-            <p:cNvPr id="158" name="Shape 158"/>
-            <p:cNvSpPr/>
-            <p:nvPr/>
-          </p:nvSpPr>
-          <p:spPr>
-            <a:xfrm rot="5400000">
-              <a:off x="15518519" y="985272"/>
-              <a:ext cx="2321716" cy="1271394"/>
-            </a:xfrm>
-            <a:custGeom>
-              <a:avLst/>
-              <a:gdLst/>
-              <a:ahLst/>
-              <a:cxnLst>
-                <a:cxn ang="0">
-                  <a:pos x="wd2" y="hd2"/>
-                </a:cxn>
-                <a:cxn ang="5400000">
-                  <a:pos x="wd2" y="hd2"/>
-                </a:cxn>
-                <a:cxn ang="10800000">
-                  <a:pos x="wd2" y="hd2"/>
-                </a:cxn>
-                <a:cxn ang="16200000">
-                  <a:pos x="wd2" y="hd2"/>
-                </a:cxn>
-              </a:cxnLst>
-              <a:rect l="0" t="0" r="r" b="b"/>
-              <a:pathLst>
-                <a:path w="21600" h="21600" extrusionOk="0">
-                  <a:moveTo>
-                    <a:pt x="0" y="0"/>
-                  </a:moveTo>
-                  <a:lnTo>
-                    <a:pt x="0" y="21600"/>
-                  </a:lnTo>
-                  <a:lnTo>
-                    <a:pt x="21600" y="21600"/>
-                  </a:lnTo>
-                  <a:close/>
-                </a:path>
-              </a:pathLst>
-            </a:custGeom>
-            <a:solidFill>
-              <a:srgbClr val="EE5150"/>
-            </a:solidFill>
-            <a:ln w="12700">
-              <a:miter lim="400000"/>
-            </a:ln>
-          </p:spPr>
-          <p:txBody>
-            <a:bodyPr lIns="71437" tIns="71437" rIns="71437" bIns="71437" anchor="ctr"/>
-            <a:lstStyle/>
-            <a:p>
-              <a:pPr>
-                <a:defRPr sz="3000" b="0">
-                  <a:solidFill>
-                    <a:srgbClr val="FFFFFF"/>
-                  </a:solidFill>
-                  <a:latin typeface="+mn-lt"/>
-                  <a:ea typeface="+mn-ea"/>
-                  <a:cs typeface="+mn-cs"/>
-                  <a:sym typeface="Helvetica Neue Medium"/>
-                </a:defRPr>
-              </a:pPr>
-              <a:endParaRPr/>
-            </a:p>
-          </p:txBody>
-        </p:sp>
-        <p:sp>
-          <p:nvSpPr>
-            <p:cNvPr id="159" name="Shape 159"/>
-            <p:cNvSpPr/>
-            <p:nvPr/>
-          </p:nvSpPr>
-          <p:spPr>
-            <a:xfrm>
-              <a:off x="504898" y="-1182738"/>
-              <a:ext cx="18065280" cy="3931013"/>
-            </a:xfrm>
-            <a:prstGeom prst="rect">
-              <a:avLst/>
-            </a:prstGeom>
-            <a:ln w="12700">
-              <a:miter lim="400000"/>
-            </a:ln>
-            <a:extLst>
-              <a:ext uri="{C572A759-6A51-4108-AA02-DFA0A04FC94B}">
-                <ma14:wrappingTextBoxFlag xmlns="" xmlns:ma14="http://schemas.microsoft.com/office/mac/drawingml/2011/main" val="1"/>
-              </a:ext>
-            </a:extLst>
-          </p:spPr>
-          <p:txBody>
-            <a:bodyPr wrap="square" lIns="0" tIns="0" rIns="0" bIns="0" anchor="ctr">
-              <a:spAutoFit/>
-            </a:bodyPr>
-            <a:lstStyle/>
-            <a:p>
-              <a:pPr lvl="3" algn="l" defTabSz="642937">
-                <a:lnSpc>
-                  <a:spcPts val="35600"/>
-                </a:lnSpc>
-                <a:defRPr sz="15000" b="0" spc="-300">
-                  <a:solidFill>
-                    <a:srgbClr val="FFFFFF"/>
-                  </a:solidFill>
-                  <a:latin typeface="Montserrat Bold"/>
-                  <a:ea typeface="Montserrat Bold"/>
-                  <a:cs typeface="Montserrat Bold"/>
-                  <a:sym typeface="Montserrat Bold"/>
-                </a:defRPr>
-              </a:pPr>
-              <a:r>
-                <a:rPr lang="en-AU" sz="14500" spc="-319" dirty="0"/>
-                <a:t>Strategy Choice</a:t>
-              </a:r>
-              <a:endParaRPr sz="14500" spc="-319" dirty="0"/>
-            </a:p>
-          </p:txBody>
-        </p:sp>
-        <p:sp>
-          <p:nvSpPr>
-            <p:cNvPr id="160" name="Shape 160"/>
-            <p:cNvSpPr/>
-            <p:nvPr/>
-          </p:nvSpPr>
-          <p:spPr>
-            <a:xfrm>
-              <a:off x="8240" y="3225128"/>
-              <a:ext cx="12314562" cy="2321716"/>
-            </a:xfrm>
-            <a:prstGeom prst="rect">
-              <a:avLst/>
-            </a:prstGeom>
-            <a:solidFill>
-              <a:srgbClr val="EE5150"/>
-            </a:solidFill>
-            <a:ln w="12700">
-              <a:miter lim="400000"/>
-            </a:ln>
-          </p:spPr>
-          <p:txBody>
-            <a:bodyPr lIns="0" tIns="0" rIns="0" bIns="0" anchor="ctr"/>
-            <a:lstStyle/>
-            <a:p>
-              <a:pPr lvl="3" algn="l" defTabSz="642937">
-                <a:lnSpc>
-                  <a:spcPts val="27900"/>
-                </a:lnSpc>
-                <a:defRPr sz="9600">
-                  <a:solidFill>
-                    <a:srgbClr val="FFFFFF"/>
-                  </a:solidFill>
-                  <a:latin typeface="Tw Cen MT"/>
-                  <a:ea typeface="Tw Cen MT"/>
-                  <a:cs typeface="Tw Cen MT"/>
-                  <a:sym typeface="Tw Cen MT"/>
-                </a:defRPr>
-              </a:pPr>
-              <a:endParaRPr/>
-            </a:p>
-          </p:txBody>
-        </p:sp>
-        <p:sp>
-          <p:nvSpPr>
-            <p:cNvPr id="161" name="Shape 161"/>
-            <p:cNvSpPr/>
-            <p:nvPr/>
-          </p:nvSpPr>
-          <p:spPr>
-            <a:xfrm rot="5400000">
-              <a:off x="11791615" y="3750288"/>
-              <a:ext cx="2321715" cy="1271395"/>
-            </a:xfrm>
-            <a:custGeom>
-              <a:avLst/>
-              <a:gdLst/>
-              <a:ahLst/>
-              <a:cxnLst>
-                <a:cxn ang="0">
-                  <a:pos x="wd2" y="hd2"/>
-                </a:cxn>
-                <a:cxn ang="5400000">
-                  <a:pos x="wd2" y="hd2"/>
-                </a:cxn>
-                <a:cxn ang="10800000">
-                  <a:pos x="wd2" y="hd2"/>
-                </a:cxn>
-                <a:cxn ang="16200000">
-                  <a:pos x="wd2" y="hd2"/>
-                </a:cxn>
-              </a:cxnLst>
-              <a:rect l="0" t="0" r="r" b="b"/>
-              <a:pathLst>
-                <a:path w="21600" h="21600" extrusionOk="0">
-                  <a:moveTo>
-                    <a:pt x="0" y="0"/>
-                  </a:moveTo>
-                  <a:lnTo>
-                    <a:pt x="0" y="21600"/>
-                  </a:lnTo>
-                  <a:lnTo>
-                    <a:pt x="21600" y="21600"/>
-                  </a:lnTo>
-                  <a:close/>
-                </a:path>
-              </a:pathLst>
-            </a:custGeom>
-            <a:solidFill>
-              <a:srgbClr val="EE5150"/>
-            </a:solidFill>
-            <a:ln w="12700">
-              <a:miter lim="400000"/>
-            </a:ln>
-          </p:spPr>
-          <p:txBody>
-            <a:bodyPr lIns="71437" tIns="71437" rIns="71437" bIns="71437" anchor="ctr"/>
-            <a:lstStyle/>
-            <a:p>
-              <a:pPr>
-                <a:defRPr sz="3000" b="0">
-                  <a:solidFill>
-                    <a:srgbClr val="FFFFFF"/>
-                  </a:solidFill>
-                  <a:latin typeface="+mn-lt"/>
-                  <a:ea typeface="+mn-ea"/>
-                  <a:cs typeface="+mn-cs"/>
-                  <a:sym typeface="Helvetica Neue Medium"/>
-                </a:defRPr>
-              </a:pPr>
-              <a:endParaRPr/>
-            </a:p>
-          </p:txBody>
-        </p:sp>
-        <p:sp>
-          <p:nvSpPr>
-            <p:cNvPr id="162" name="Shape 162"/>
-            <p:cNvSpPr/>
-            <p:nvPr/>
-          </p:nvSpPr>
-          <p:spPr>
-            <a:xfrm>
-              <a:off x="504899" y="1566572"/>
-              <a:ext cx="11321245" cy="3931013"/>
-            </a:xfrm>
-            <a:prstGeom prst="rect">
-              <a:avLst/>
-            </a:prstGeom>
-            <a:ln w="12700">
-              <a:miter lim="400000"/>
-            </a:ln>
-            <a:extLst>
-              <a:ext uri="{C572A759-6A51-4108-AA02-DFA0A04FC94B}">
-                <ma14:wrappingTextBoxFlag xmlns="" xmlns:ma14="http://schemas.microsoft.com/office/mac/drawingml/2011/main" val="1"/>
-              </a:ext>
-            </a:extLst>
-          </p:spPr>
-          <p:txBody>
-            <a:bodyPr lIns="0" tIns="0" rIns="0" bIns="0" anchor="ctr">
-              <a:spAutoFit/>
-            </a:bodyPr>
-            <a:lstStyle/>
-            <a:p>
-              <a:pPr lvl="3" algn="l" defTabSz="642937">
-                <a:lnSpc>
-                  <a:spcPts val="35600"/>
-                </a:lnSpc>
-                <a:defRPr sz="16000" b="0" spc="-319">
-                  <a:solidFill>
-                    <a:srgbClr val="FFFFFF"/>
-                  </a:solidFill>
-                  <a:latin typeface="Montserrat Bold"/>
-                  <a:ea typeface="Montserrat Bold"/>
-                  <a:cs typeface="Montserrat Bold"/>
-                  <a:sym typeface="Montserrat Bold"/>
-                </a:defRPr>
-              </a:pPr>
-              <a:r>
-                <a:rPr lang="en-AU" sz="14500" dirty="0"/>
-                <a:t>Canvas</a:t>
-              </a:r>
-              <a:endParaRPr sz="14500" dirty="0"/>
-            </a:p>
-          </p:txBody>
-        </p:sp>
-        <p:sp>
-          <p:nvSpPr>
-            <p:cNvPr id="163" name="Shape 163"/>
-            <p:cNvSpPr/>
-            <p:nvPr/>
-          </p:nvSpPr>
-          <p:spPr>
-            <a:xfrm>
-              <a:off x="9414264" y="9195086"/>
-              <a:ext cx="1038542" cy="1038541"/>
-            </a:xfrm>
-            <a:prstGeom prst="ellipse">
-              <a:avLst/>
-            </a:prstGeom>
-            <a:solidFill>
-              <a:srgbClr val="D6D6D6"/>
-            </a:solidFill>
-            <a:ln w="12700">
-              <a:miter lim="400000"/>
-            </a:ln>
-            <a:extLst>
-              <a:ext uri="{C572A759-6A51-4108-AA02-DFA0A04FC94B}">
-                <ma14:wrappingTextBoxFlag xmlns="" xmlns:ma14="http://schemas.microsoft.com/office/mac/drawingml/2011/main" val="1"/>
-              </a:ext>
-            </a:extLst>
-          </p:spPr>
-          <p:txBody>
-            <a:bodyPr lIns="71437" tIns="71437" rIns="71437" bIns="71437" anchor="ctr"/>
-            <a:lstStyle>
-              <a:lvl1pPr>
-                <a:defRPr sz="4000" b="0">
-                  <a:solidFill>
-                    <a:srgbClr val="FFFFFF"/>
-                  </a:solidFill>
-                  <a:latin typeface="Montserrat Bold"/>
-                  <a:ea typeface="Montserrat Bold"/>
-                  <a:cs typeface="Montserrat Bold"/>
-                  <a:sym typeface="Montserrat Bold"/>
-                </a:defRPr>
-              </a:lvl1pPr>
-            </a:lstStyle>
-            <a:p>
-              <a:r>
-                <a:t>3</a:t>
-              </a:r>
-            </a:p>
-          </p:txBody>
-        </p:sp>
-        <p:sp>
-          <p:nvSpPr>
-            <p:cNvPr id="165" name="Shape 165"/>
-            <p:cNvSpPr/>
-            <p:nvPr/>
-          </p:nvSpPr>
-          <p:spPr>
-            <a:xfrm>
-              <a:off x="13382290" y="9195086"/>
-              <a:ext cx="1038541" cy="1038541"/>
-            </a:xfrm>
-            <a:prstGeom prst="ellipse">
-              <a:avLst/>
-            </a:prstGeom>
-            <a:solidFill>
-              <a:srgbClr val="D6D6D6"/>
-            </a:solidFill>
-            <a:ln w="12700">
-              <a:miter lim="400000"/>
-            </a:ln>
-            <a:extLst>
-              <a:ext uri="{C572A759-6A51-4108-AA02-DFA0A04FC94B}">
-                <ma14:wrappingTextBoxFlag xmlns="" xmlns:ma14="http://schemas.microsoft.com/office/mac/drawingml/2011/main" val="1"/>
               </a:ext>
             </a:extLst>
           </p:spPr>
@@ -15492,7 +15373,7 @@
             </a:ln>
             <a:extLst>
               <a:ext uri="{C572A759-6A51-4108-AA02-DFA0A04FC94B}">
-                <ma14:wrappingTextBoxFlag xmlns:ma14="http://schemas.microsoft.com/office/mac/drawingml/2011/main" xmlns="" val="1"/>
+                <ma14:wrappingTextBoxFlag xmlns="" xmlns:ma14="http://schemas.microsoft.com/office/mac/drawingml/2011/main" val="1"/>
               </a:ext>
             </a:extLst>
           </p:spPr>
@@ -15579,7 +15460,7 @@
             </a:ln>
             <a:extLst>
               <a:ext uri="{C572A759-6A51-4108-AA02-DFA0A04FC94B}">
-                <ma14:wrappingTextBoxFlag xmlns:ma14="http://schemas.microsoft.com/office/mac/drawingml/2011/main" xmlns="" val="1"/>
+                <ma14:wrappingTextBoxFlag xmlns="" xmlns:ma14="http://schemas.microsoft.com/office/mac/drawingml/2011/main" val="1"/>
               </a:ext>
             </a:extLst>
           </p:spPr>
@@ -15626,7 +15507,7 @@
             </a:ln>
             <a:extLst>
               <a:ext uri="{C572A759-6A51-4108-AA02-DFA0A04FC94B}">
-                <ma14:wrappingTextBoxFlag xmlns:ma14="http://schemas.microsoft.com/office/mac/drawingml/2011/main" xmlns="" val="1"/>
+                <ma14:wrappingTextBoxFlag xmlns="" xmlns:ma14="http://schemas.microsoft.com/office/mac/drawingml/2011/main" val="1"/>
               </a:ext>
             </a:extLst>
           </p:spPr>
@@ -15778,7 +15659,7 @@
             </a:ln>
             <a:extLst>
               <a:ext uri="{C572A759-6A51-4108-AA02-DFA0A04FC94B}">
-                <ma14:wrappingTextBoxFlag xmlns:ma14="http://schemas.microsoft.com/office/mac/drawingml/2011/main" xmlns="" val="1"/>
+                <ma14:wrappingTextBoxFlag xmlns="" xmlns:ma14="http://schemas.microsoft.com/office/mac/drawingml/2011/main" val="1"/>
               </a:ext>
             </a:extLst>
           </p:spPr>
